--- a/2_Openai_agents/2_OpenAI_Agents_API.pptx
+++ b/2_Openai_agents/2_OpenAI_Agents_API.pptx
@@ -4,6 +4,9 @@
   <p:sldMasterIdLst>
     <p:sldMasterId id="2147483648" r:id="rId1"/>
   </p:sldMasterIdLst>
+  <p:notesMasterIdLst>
+    <p:notesMasterId r:id="rId26"/>
+  </p:notesMasterIdLst>
   <p:sldIdLst>
     <p:sldId id="461" r:id="rId2"/>
     <p:sldId id="462" r:id="rId3"/>
@@ -20,14 +23,15 @@
     <p:sldId id="505" r:id="rId14"/>
     <p:sldId id="503" r:id="rId15"/>
     <p:sldId id="507" r:id="rId16"/>
-    <p:sldId id="508" r:id="rId17"/>
-    <p:sldId id="509" r:id="rId18"/>
-    <p:sldId id="510" r:id="rId19"/>
-    <p:sldId id="511" r:id="rId20"/>
-    <p:sldId id="512" r:id="rId21"/>
-    <p:sldId id="514" r:id="rId22"/>
-    <p:sldId id="513" r:id="rId23"/>
-    <p:sldId id="630" r:id="rId24"/>
+    <p:sldId id="648" r:id="rId17"/>
+    <p:sldId id="508" r:id="rId18"/>
+    <p:sldId id="509" r:id="rId19"/>
+    <p:sldId id="510" r:id="rId20"/>
+    <p:sldId id="511" r:id="rId21"/>
+    <p:sldId id="512" r:id="rId22"/>
+    <p:sldId id="514" r:id="rId23"/>
+    <p:sldId id="513" r:id="rId24"/>
+    <p:sldId id="630" r:id="rId25"/>
   </p:sldIdLst>
   <p:sldSz cx="12192000" cy="6858000"/>
   <p:notesSz cx="6858000" cy="9144000"/>
@@ -126,7 +130,446 @@
       </a:defRPr>
     </a:lvl9pPr>
   </p:defaultTextStyle>
+  <p:extLst>
+    <p:ext uri="{EFAFB233-063F-42B5-8137-9DF3F51BA10A}">
+      <p15:sldGuideLst xmlns:p15="http://schemas.microsoft.com/office/powerpoint/2012/main"/>
+    </p:ext>
+  </p:extLst>
 </p:presentation>
+</file>
+
+<file path=ppt/notesMasters/notesMaster1.xml><?xml version="1.0" encoding="utf-8"?>
+<p:notesMaster xmlns:a="http://schemas.openxmlformats.org/drawingml/2006/main" xmlns:r="http://schemas.openxmlformats.org/officeDocument/2006/relationships" xmlns:p="http://schemas.openxmlformats.org/presentationml/2006/main">
+  <p:cSld>
+    <p:bg>
+      <p:bgRef idx="1001">
+        <a:schemeClr val="bg1"/>
+      </p:bgRef>
+    </p:bg>
+    <p:spTree>
+      <p:nvGrpSpPr>
+        <p:cNvPr id="1" name=""/>
+        <p:cNvGrpSpPr/>
+        <p:nvPr/>
+      </p:nvGrpSpPr>
+      <p:grpSpPr>
+        <a:xfrm>
+          <a:off x="0" y="0"/>
+          <a:ext cx="0" cy="0"/>
+          <a:chOff x="0" y="0"/>
+          <a:chExt cx="0" cy="0"/>
+        </a:xfrm>
+      </p:grpSpPr>
+      <p:sp>
+        <p:nvSpPr>
+          <p:cNvPr id="2" name="Header Placeholder 1"/>
+          <p:cNvSpPr>
+            <a:spLocks noGrp="1"/>
+          </p:cNvSpPr>
+          <p:nvPr>
+            <p:ph type="hdr" sz="quarter"/>
+          </p:nvPr>
+        </p:nvSpPr>
+        <p:spPr>
+          <a:xfrm>
+            <a:off x="0" y="0"/>
+            <a:ext cx="2971800" cy="458788"/>
+          </a:xfrm>
+          <a:prstGeom prst="rect">
+            <a:avLst/>
+          </a:prstGeom>
+        </p:spPr>
+        <p:txBody>
+          <a:bodyPr vert="horz" lIns="91440" tIns="45720" rIns="91440" bIns="45720" rtlCol="0"/>
+          <a:lstStyle>
+            <a:lvl1pPr algn="l">
+              <a:defRPr sz="1200"/>
+            </a:lvl1pPr>
+          </a:lstStyle>
+          <a:p>
+            <a:endParaRPr lang="en-GB"/>
+          </a:p>
+        </p:txBody>
+      </p:sp>
+      <p:sp>
+        <p:nvSpPr>
+          <p:cNvPr id="3" name="Date Placeholder 2"/>
+          <p:cNvSpPr>
+            <a:spLocks noGrp="1"/>
+          </p:cNvSpPr>
+          <p:nvPr>
+            <p:ph type="dt" idx="1"/>
+          </p:nvPr>
+        </p:nvSpPr>
+        <p:spPr>
+          <a:xfrm>
+            <a:off x="3884613" y="0"/>
+            <a:ext cx="2971800" cy="458788"/>
+          </a:xfrm>
+          <a:prstGeom prst="rect">
+            <a:avLst/>
+          </a:prstGeom>
+        </p:spPr>
+        <p:txBody>
+          <a:bodyPr vert="horz" lIns="91440" tIns="45720" rIns="91440" bIns="45720" rtlCol="0"/>
+          <a:lstStyle>
+            <a:lvl1pPr algn="r">
+              <a:defRPr sz="1200"/>
+            </a:lvl1pPr>
+          </a:lstStyle>
+          <a:p>
+            <a:fld id="{9676B05E-5FCA-40A7-9267-101895E9507F}" type="datetimeFigureOut">
+              <a:rPr lang="en-GB" smtClean="0"/>
+              <a:t>26/10/2025</a:t>
+            </a:fld>
+            <a:endParaRPr lang="en-GB"/>
+          </a:p>
+        </p:txBody>
+      </p:sp>
+      <p:sp>
+        <p:nvSpPr>
+          <p:cNvPr id="4" name="Slide Image Placeholder 3"/>
+          <p:cNvSpPr>
+            <a:spLocks noGrp="1" noRot="1" noChangeAspect="1"/>
+          </p:cNvSpPr>
+          <p:nvPr>
+            <p:ph type="sldImg" idx="2"/>
+          </p:nvPr>
+        </p:nvSpPr>
+        <p:spPr>
+          <a:xfrm>
+            <a:off x="685800" y="1143000"/>
+            <a:ext cx="5486400" cy="3086100"/>
+          </a:xfrm>
+          <a:prstGeom prst="rect">
+            <a:avLst/>
+          </a:prstGeom>
+          <a:noFill/>
+          <a:ln w="12700">
+            <a:solidFill>
+              <a:prstClr val="black"/>
+            </a:solidFill>
+          </a:ln>
+        </p:spPr>
+        <p:txBody>
+          <a:bodyPr vert="horz" lIns="91440" tIns="45720" rIns="91440" bIns="45720" rtlCol="0" anchor="ctr"/>
+          <a:lstStyle/>
+          <a:p>
+            <a:endParaRPr lang="en-GB"/>
+          </a:p>
+        </p:txBody>
+      </p:sp>
+      <p:sp>
+        <p:nvSpPr>
+          <p:cNvPr id="5" name="Notes Placeholder 4"/>
+          <p:cNvSpPr>
+            <a:spLocks noGrp="1"/>
+          </p:cNvSpPr>
+          <p:nvPr>
+            <p:ph type="body" sz="quarter" idx="3"/>
+          </p:nvPr>
+        </p:nvSpPr>
+        <p:spPr>
+          <a:xfrm>
+            <a:off x="685800" y="4400550"/>
+            <a:ext cx="5486400" cy="3600450"/>
+          </a:xfrm>
+          <a:prstGeom prst="rect">
+            <a:avLst/>
+          </a:prstGeom>
+        </p:spPr>
+        <p:txBody>
+          <a:bodyPr vert="horz" lIns="91440" tIns="45720" rIns="91440" bIns="45720" rtlCol="0"/>
+          <a:lstStyle/>
+          <a:p>
+            <a:pPr lvl="0"/>
+            <a:r>
+              <a:rPr lang="en-US"/>
+              <a:t>Click to edit Master text styles</a:t>
+            </a:r>
+          </a:p>
+          <a:p>
+            <a:pPr lvl="1"/>
+            <a:r>
+              <a:rPr lang="en-US"/>
+              <a:t>Second level</a:t>
+            </a:r>
+          </a:p>
+          <a:p>
+            <a:pPr lvl="2"/>
+            <a:r>
+              <a:rPr lang="en-US"/>
+              <a:t>Third level</a:t>
+            </a:r>
+          </a:p>
+          <a:p>
+            <a:pPr lvl="3"/>
+            <a:r>
+              <a:rPr lang="en-US"/>
+              <a:t>Fourth level</a:t>
+            </a:r>
+          </a:p>
+          <a:p>
+            <a:pPr lvl="4"/>
+            <a:r>
+              <a:rPr lang="en-US"/>
+              <a:t>Fifth level</a:t>
+            </a:r>
+            <a:endParaRPr lang="en-GB"/>
+          </a:p>
+        </p:txBody>
+      </p:sp>
+      <p:sp>
+        <p:nvSpPr>
+          <p:cNvPr id="6" name="Footer Placeholder 5"/>
+          <p:cNvSpPr>
+            <a:spLocks noGrp="1"/>
+          </p:cNvSpPr>
+          <p:nvPr>
+            <p:ph type="ftr" sz="quarter" idx="4"/>
+          </p:nvPr>
+        </p:nvSpPr>
+        <p:spPr>
+          <a:xfrm>
+            <a:off x="0" y="8685213"/>
+            <a:ext cx="2971800" cy="458787"/>
+          </a:xfrm>
+          <a:prstGeom prst="rect">
+            <a:avLst/>
+          </a:prstGeom>
+        </p:spPr>
+        <p:txBody>
+          <a:bodyPr vert="horz" lIns="91440" tIns="45720" rIns="91440" bIns="45720" rtlCol="0" anchor="b"/>
+          <a:lstStyle>
+            <a:lvl1pPr algn="l">
+              <a:defRPr sz="1200"/>
+            </a:lvl1pPr>
+          </a:lstStyle>
+          <a:p>
+            <a:endParaRPr lang="en-GB"/>
+          </a:p>
+        </p:txBody>
+      </p:sp>
+      <p:sp>
+        <p:nvSpPr>
+          <p:cNvPr id="7" name="Slide Number Placeholder 6"/>
+          <p:cNvSpPr>
+            <a:spLocks noGrp="1"/>
+          </p:cNvSpPr>
+          <p:nvPr>
+            <p:ph type="sldNum" sz="quarter" idx="5"/>
+          </p:nvPr>
+        </p:nvSpPr>
+        <p:spPr>
+          <a:xfrm>
+            <a:off x="3884613" y="8685213"/>
+            <a:ext cx="2971800" cy="458787"/>
+          </a:xfrm>
+          <a:prstGeom prst="rect">
+            <a:avLst/>
+          </a:prstGeom>
+        </p:spPr>
+        <p:txBody>
+          <a:bodyPr vert="horz" lIns="91440" tIns="45720" rIns="91440" bIns="45720" rtlCol="0" anchor="b"/>
+          <a:lstStyle>
+            <a:lvl1pPr algn="r">
+              <a:defRPr sz="1200"/>
+            </a:lvl1pPr>
+          </a:lstStyle>
+          <a:p>
+            <a:fld id="{74C635DC-9CC0-4B98-8665-C917B9C66C50}" type="slidenum">
+              <a:rPr lang="en-GB" smtClean="0"/>
+              <a:t>‹#›</a:t>
+            </a:fld>
+            <a:endParaRPr lang="en-GB"/>
+          </a:p>
+        </p:txBody>
+      </p:sp>
+    </p:spTree>
+    <p:extLst>
+      <p:ext uri="{BB962C8B-B14F-4D97-AF65-F5344CB8AC3E}">
+        <p14:creationId xmlns:p14="http://schemas.microsoft.com/office/powerpoint/2010/main" val="1079687800"/>
+      </p:ext>
+    </p:extLst>
+  </p:cSld>
+  <p:clrMap bg1="lt1" tx1="dk1" bg2="lt2" tx2="dk2" accent1="accent1" accent2="accent2" accent3="accent3" accent4="accent4" accent5="accent5" accent6="accent6" hlink="hlink" folHlink="folHlink"/>
+  <p:notesStyle>
+    <a:lvl1pPr marL="0" algn="l" defTabSz="914400" rtl="0" eaLnBrk="1" latinLnBrk="0" hangingPunct="1">
+      <a:defRPr sz="1200" kern="1200">
+        <a:solidFill>
+          <a:schemeClr val="tx1"/>
+        </a:solidFill>
+        <a:latin typeface="+mn-lt"/>
+        <a:ea typeface="+mn-ea"/>
+        <a:cs typeface="+mn-cs"/>
+      </a:defRPr>
+    </a:lvl1pPr>
+    <a:lvl2pPr marL="457200" algn="l" defTabSz="914400" rtl="0" eaLnBrk="1" latinLnBrk="0" hangingPunct="1">
+      <a:defRPr sz="1200" kern="1200">
+        <a:solidFill>
+          <a:schemeClr val="tx1"/>
+        </a:solidFill>
+        <a:latin typeface="+mn-lt"/>
+        <a:ea typeface="+mn-ea"/>
+        <a:cs typeface="+mn-cs"/>
+      </a:defRPr>
+    </a:lvl2pPr>
+    <a:lvl3pPr marL="914400" algn="l" defTabSz="914400" rtl="0" eaLnBrk="1" latinLnBrk="0" hangingPunct="1">
+      <a:defRPr sz="1200" kern="1200">
+        <a:solidFill>
+          <a:schemeClr val="tx1"/>
+        </a:solidFill>
+        <a:latin typeface="+mn-lt"/>
+        <a:ea typeface="+mn-ea"/>
+        <a:cs typeface="+mn-cs"/>
+      </a:defRPr>
+    </a:lvl3pPr>
+    <a:lvl4pPr marL="1371600" algn="l" defTabSz="914400" rtl="0" eaLnBrk="1" latinLnBrk="0" hangingPunct="1">
+      <a:defRPr sz="1200" kern="1200">
+        <a:solidFill>
+          <a:schemeClr val="tx1"/>
+        </a:solidFill>
+        <a:latin typeface="+mn-lt"/>
+        <a:ea typeface="+mn-ea"/>
+        <a:cs typeface="+mn-cs"/>
+      </a:defRPr>
+    </a:lvl4pPr>
+    <a:lvl5pPr marL="1828800" algn="l" defTabSz="914400" rtl="0" eaLnBrk="1" latinLnBrk="0" hangingPunct="1">
+      <a:defRPr sz="1200" kern="1200">
+        <a:solidFill>
+          <a:schemeClr val="tx1"/>
+        </a:solidFill>
+        <a:latin typeface="+mn-lt"/>
+        <a:ea typeface="+mn-ea"/>
+        <a:cs typeface="+mn-cs"/>
+      </a:defRPr>
+    </a:lvl5pPr>
+    <a:lvl6pPr marL="2286000" algn="l" defTabSz="914400" rtl="0" eaLnBrk="1" latinLnBrk="0" hangingPunct="1">
+      <a:defRPr sz="1200" kern="1200">
+        <a:solidFill>
+          <a:schemeClr val="tx1"/>
+        </a:solidFill>
+        <a:latin typeface="+mn-lt"/>
+        <a:ea typeface="+mn-ea"/>
+        <a:cs typeface="+mn-cs"/>
+      </a:defRPr>
+    </a:lvl6pPr>
+    <a:lvl7pPr marL="2743200" algn="l" defTabSz="914400" rtl="0" eaLnBrk="1" latinLnBrk="0" hangingPunct="1">
+      <a:defRPr sz="1200" kern="1200">
+        <a:solidFill>
+          <a:schemeClr val="tx1"/>
+        </a:solidFill>
+        <a:latin typeface="+mn-lt"/>
+        <a:ea typeface="+mn-ea"/>
+        <a:cs typeface="+mn-cs"/>
+      </a:defRPr>
+    </a:lvl7pPr>
+    <a:lvl8pPr marL="3200400" algn="l" defTabSz="914400" rtl="0" eaLnBrk="1" latinLnBrk="0" hangingPunct="1">
+      <a:defRPr sz="1200" kern="1200">
+        <a:solidFill>
+          <a:schemeClr val="tx1"/>
+        </a:solidFill>
+        <a:latin typeface="+mn-lt"/>
+        <a:ea typeface="+mn-ea"/>
+        <a:cs typeface="+mn-cs"/>
+      </a:defRPr>
+    </a:lvl8pPr>
+    <a:lvl9pPr marL="3657600" algn="l" defTabSz="914400" rtl="0" eaLnBrk="1" latinLnBrk="0" hangingPunct="1">
+      <a:defRPr sz="1200" kern="1200">
+        <a:solidFill>
+          <a:schemeClr val="tx1"/>
+        </a:solidFill>
+        <a:latin typeface="+mn-lt"/>
+        <a:ea typeface="+mn-ea"/>
+        <a:cs typeface="+mn-cs"/>
+      </a:defRPr>
+    </a:lvl9pPr>
+  </p:notesStyle>
+</p:notesMaster>
+</file>
+
+<file path=ppt/notesSlides/notesSlide1.xml><?xml version="1.0" encoding="utf-8"?>
+<p:notes xmlns:a="http://schemas.openxmlformats.org/drawingml/2006/main" xmlns:r="http://schemas.openxmlformats.org/officeDocument/2006/relationships" xmlns:p="http://schemas.openxmlformats.org/presentationml/2006/main">
+  <p:cSld>
+    <p:spTree>
+      <p:nvGrpSpPr>
+        <p:cNvPr id="1" name=""/>
+        <p:cNvGrpSpPr/>
+        <p:nvPr/>
+      </p:nvGrpSpPr>
+      <p:grpSpPr>
+        <a:xfrm>
+          <a:off x="0" y="0"/>
+          <a:ext cx="0" cy="0"/>
+          <a:chOff x="0" y="0"/>
+          <a:chExt cx="0" cy="0"/>
+        </a:xfrm>
+      </p:grpSpPr>
+      <p:sp>
+        <p:nvSpPr>
+          <p:cNvPr id="2" name="Slide Image Placeholder 1"/>
+          <p:cNvSpPr>
+            <a:spLocks noGrp="1" noRot="1" noChangeAspect="1"/>
+          </p:cNvSpPr>
+          <p:nvPr>
+            <p:ph type="sldImg"/>
+          </p:nvPr>
+        </p:nvSpPr>
+        <p:spPr/>
+      </p:sp>
+      <p:sp>
+        <p:nvSpPr>
+          <p:cNvPr id="3" name="Notes Placeholder 2"/>
+          <p:cNvSpPr>
+            <a:spLocks noGrp="1"/>
+          </p:cNvSpPr>
+          <p:nvPr>
+            <p:ph type="body" idx="1"/>
+          </p:nvPr>
+        </p:nvSpPr>
+        <p:spPr/>
+        <p:txBody>
+          <a:bodyPr/>
+          <a:lstStyle/>
+          <a:p>
+            <a:endParaRPr lang="en-GB" dirty="0"/>
+          </a:p>
+        </p:txBody>
+      </p:sp>
+      <p:sp>
+        <p:nvSpPr>
+          <p:cNvPr id="4" name="Slide Number Placeholder 3"/>
+          <p:cNvSpPr>
+            <a:spLocks noGrp="1"/>
+          </p:cNvSpPr>
+          <p:nvPr>
+            <p:ph type="sldNum" sz="quarter" idx="5"/>
+          </p:nvPr>
+        </p:nvSpPr>
+        <p:spPr/>
+        <p:txBody>
+          <a:bodyPr/>
+          <a:lstStyle/>
+          <a:p>
+            <a:fld id="{CDA3FE73-CC94-4F23-B51B-5E3E293A6B94}" type="slidenum">
+              <a:rPr lang="en-GB" smtClean="0"/>
+              <a:t>16</a:t>
+            </a:fld>
+            <a:endParaRPr lang="en-GB"/>
+          </a:p>
+        </p:txBody>
+      </p:sp>
+    </p:spTree>
+    <p:extLst>
+      <p:ext uri="{BB962C8B-B14F-4D97-AF65-F5344CB8AC3E}">
+        <p14:creationId xmlns:p14="http://schemas.microsoft.com/office/powerpoint/2010/main" val="3330087310"/>
+      </p:ext>
+    </p:extLst>
+  </p:cSld>
+  <p:clrMapOvr>
+    <a:masterClrMapping/>
+  </p:clrMapOvr>
+</p:notes>
 </file>
 
 <file path=ppt/slideLayouts/slideLayout1.xml><?xml version="1.0" encoding="utf-8"?>
@@ -278,7 +721,7 @@
           <a:p>
             <a:fld id="{D875620C-0B6E-46A5-84C2-F899A90491EE}" type="datetimeFigureOut">
               <a:rPr lang="en-GB" smtClean="0"/>
-              <a:t>25/09/2025</a:t>
+              <a:t>26/10/2025</a:t>
             </a:fld>
             <a:endParaRPr lang="en-GB"/>
           </a:p>
@@ -478,7 +921,7 @@
           <a:p>
             <a:fld id="{D875620C-0B6E-46A5-84C2-F899A90491EE}" type="datetimeFigureOut">
               <a:rPr lang="en-GB" smtClean="0"/>
-              <a:t>25/09/2025</a:t>
+              <a:t>26/10/2025</a:t>
             </a:fld>
             <a:endParaRPr lang="en-GB"/>
           </a:p>
@@ -688,7 +1131,7 @@
           <a:p>
             <a:fld id="{D875620C-0B6E-46A5-84C2-F899A90491EE}" type="datetimeFigureOut">
               <a:rPr lang="en-GB" smtClean="0"/>
-              <a:t>25/09/2025</a:t>
+              <a:t>26/10/2025</a:t>
             </a:fld>
             <a:endParaRPr lang="en-GB"/>
           </a:p>
@@ -888,7 +1331,7 @@
           <a:p>
             <a:fld id="{D875620C-0B6E-46A5-84C2-F899A90491EE}" type="datetimeFigureOut">
               <a:rPr lang="en-GB" smtClean="0"/>
-              <a:t>25/09/2025</a:t>
+              <a:t>26/10/2025</a:t>
             </a:fld>
             <a:endParaRPr lang="en-GB"/>
           </a:p>
@@ -1164,7 +1607,7 @@
           <a:p>
             <a:fld id="{D875620C-0B6E-46A5-84C2-F899A90491EE}" type="datetimeFigureOut">
               <a:rPr lang="en-GB" smtClean="0"/>
-              <a:t>25/09/2025</a:t>
+              <a:t>26/10/2025</a:t>
             </a:fld>
             <a:endParaRPr lang="en-GB"/>
           </a:p>
@@ -1432,7 +1875,7 @@
           <a:p>
             <a:fld id="{D875620C-0B6E-46A5-84C2-F899A90491EE}" type="datetimeFigureOut">
               <a:rPr lang="en-GB" smtClean="0"/>
-              <a:t>25/09/2025</a:t>
+              <a:t>26/10/2025</a:t>
             </a:fld>
             <a:endParaRPr lang="en-GB"/>
           </a:p>
@@ -1847,7 +2290,7 @@
           <a:p>
             <a:fld id="{D875620C-0B6E-46A5-84C2-F899A90491EE}" type="datetimeFigureOut">
               <a:rPr lang="en-GB" smtClean="0"/>
-              <a:t>25/09/2025</a:t>
+              <a:t>26/10/2025</a:t>
             </a:fld>
             <a:endParaRPr lang="en-GB"/>
           </a:p>
@@ -1989,7 +2432,7 @@
           <a:p>
             <a:fld id="{D875620C-0B6E-46A5-84C2-F899A90491EE}" type="datetimeFigureOut">
               <a:rPr lang="en-GB" smtClean="0"/>
-              <a:t>25/09/2025</a:t>
+              <a:t>26/10/2025</a:t>
             </a:fld>
             <a:endParaRPr lang="en-GB"/>
           </a:p>
@@ -2102,7 +2545,7 @@
           <a:p>
             <a:fld id="{D875620C-0B6E-46A5-84C2-F899A90491EE}" type="datetimeFigureOut">
               <a:rPr lang="en-GB" smtClean="0"/>
-              <a:t>25/09/2025</a:t>
+              <a:t>26/10/2025</a:t>
             </a:fld>
             <a:endParaRPr lang="en-GB"/>
           </a:p>
@@ -2415,7 +2858,7 @@
           <a:p>
             <a:fld id="{D875620C-0B6E-46A5-84C2-F899A90491EE}" type="datetimeFigureOut">
               <a:rPr lang="en-GB" smtClean="0"/>
-              <a:t>25/09/2025</a:t>
+              <a:t>26/10/2025</a:t>
             </a:fld>
             <a:endParaRPr lang="en-GB"/>
           </a:p>
@@ -2704,7 +3147,7 @@
           <a:p>
             <a:fld id="{D875620C-0B6E-46A5-84C2-F899A90491EE}" type="datetimeFigureOut">
               <a:rPr lang="en-GB" smtClean="0"/>
-              <a:t>25/09/2025</a:t>
+              <a:t>26/10/2025</a:t>
             </a:fld>
             <a:endParaRPr lang="en-GB"/>
           </a:p>
@@ -2947,7 +3390,7 @@
           <a:p>
             <a:fld id="{D875620C-0B6E-46A5-84C2-F899A90491EE}" type="datetimeFigureOut">
               <a:rPr lang="en-GB" smtClean="0"/>
-              <a:t>25/09/2025</a:t>
+              <a:t>26/10/2025</a:t>
             </a:fld>
             <a:endParaRPr lang="en-GB"/>
           </a:p>
@@ -3638,7 +4081,7 @@
         </p:nvGraphicFramePr>
         <p:xfrm>
           <a:off x="272226" y="823658"/>
-          <a:ext cx="11328783" cy="5186680"/>
+          <a:ext cx="11328783" cy="5826760"/>
         </p:xfrm>
         <a:graphic>
           <a:graphicData uri="http://schemas.openxmlformats.org/drawingml/2006/table">
@@ -3740,7 +4183,7 @@
                     <a:p>
                       <a:r>
                         <a:rPr lang="en-IN" sz="1400" dirty="0"/>
-                        <a:t>Feature</a:t>
+                        <a:t>Features</a:t>
                       </a:r>
                       <a:endParaRPr lang="en-GB" sz="1400" dirty="0"/>
                     </a:p>
@@ -3832,6 +4275,28 @@
                       <a:r>
                         <a:rPr lang="en-IN" sz="1400" dirty="0"/>
                         <a:t>Function (Tool) calling*</a:t>
+                      </a:r>
+                    </a:p>
+                    <a:p>
+                      <a:r>
+                        <a:rPr lang="en-IN" sz="1400" dirty="0"/>
+                        <a:t>Tracing added (See </a:t>
+                      </a:r>
+                      <a:r>
+                        <a:rPr lang="en-IN" sz="1400" dirty="0">
+                          <a:hlinkClick r:id="rId2"/>
+                        </a:rPr>
+                        <a:t>https://platform.openai.com/logs?api=traces</a:t>
+                      </a:r>
+                      <a:r>
+                        <a:rPr lang="en-IN" sz="1400" dirty="0"/>
+                        <a:t> after running the code)</a:t>
+                      </a:r>
+                    </a:p>
+                    <a:p>
+                      <a:r>
+                        <a:rPr lang="en-IN" sz="1400" dirty="0"/>
+                        <a:t>Streaming added</a:t>
                       </a:r>
                       <a:endParaRPr lang="en-GB" sz="1400" dirty="0"/>
                     </a:p>
@@ -4555,7 +5020,7 @@
         </p:nvGraphicFramePr>
         <p:xfrm>
           <a:off x="998744" y="3566795"/>
-          <a:ext cx="10515600" cy="2926080"/>
+          <a:ext cx="10515600" cy="2286000"/>
         </p:xfrm>
         <a:graphic>
           <a:graphicData uri="http://schemas.openxmlformats.org/drawingml/2006/table">
@@ -4920,120 +5385,6 @@
                   </a:ext>
                 </a:extLst>
               </a:tr>
-              <a:tr h="366636">
-                <a:tc>
-                  <a:txBody>
-                    <a:bodyPr/>
-                    <a:lstStyle/>
-                    <a:p>
-                      <a:pPr>
-                        <a:buNone/>
-                      </a:pPr>
-                      <a:r>
-                        <a:rPr lang="en-GB" b="1"/>
-                        <a:t>Tool Schema (params_json_schema)</a:t>
-                      </a:r>
-                      <a:endParaRPr lang="en-GB"/>
-                    </a:p>
-                  </a:txBody>
-                  <a:tcPr anchor="ctr">
-                    <a:lnL w="12700" cap="flat" cmpd="sng" algn="ctr">
-                      <a:solidFill>
-                        <a:schemeClr val="tx1"/>
-                      </a:solidFill>
-                      <a:prstDash val="solid"/>
-                      <a:round/>
-                      <a:headEnd type="none" w="med" len="med"/>
-                      <a:tailEnd type="none" w="med" len="med"/>
-                    </a:lnL>
-                    <a:lnR w="12700" cap="flat" cmpd="sng" algn="ctr">
-                      <a:solidFill>
-                        <a:schemeClr val="tx1"/>
-                      </a:solidFill>
-                      <a:prstDash val="solid"/>
-                      <a:round/>
-                      <a:headEnd type="none" w="med" len="med"/>
-                      <a:tailEnd type="none" w="med" len="med"/>
-                    </a:lnR>
-                    <a:lnT w="12700" cap="flat" cmpd="sng" algn="ctr">
-                      <a:solidFill>
-                        <a:schemeClr val="tx1"/>
-                      </a:solidFill>
-                      <a:prstDash val="solid"/>
-                      <a:round/>
-                      <a:headEnd type="none" w="med" len="med"/>
-                      <a:tailEnd type="none" w="med" len="med"/>
-                    </a:lnT>
-                    <a:lnB w="12700" cap="flat" cmpd="sng" algn="ctr">
-                      <a:solidFill>
-                        <a:schemeClr val="tx1"/>
-                      </a:solidFill>
-                      <a:prstDash val="solid"/>
-                      <a:round/>
-                      <a:headEnd type="none" w="med" len="med"/>
-                      <a:tailEnd type="none" w="med" len="med"/>
-                    </a:lnB>
-                  </a:tcPr>
-                </a:tc>
-                <a:tc>
-                  <a:txBody>
-                    <a:bodyPr/>
-                    <a:lstStyle/>
-                    <a:p>
-                      <a:pPr>
-                        <a:buNone/>
-                      </a:pPr>
-                      <a:r>
-                        <a:rPr lang="en-US"/>
-                        <a:t>Defines what inputs the tool needs. Helps the agent generate correctly structured tool calls.</a:t>
-                      </a:r>
-                    </a:p>
-                  </a:txBody>
-                  <a:tcPr anchor="ctr">
-                    <a:lnL w="12700" cap="flat" cmpd="sng" algn="ctr">
-                      <a:solidFill>
-                        <a:schemeClr val="tx1"/>
-                      </a:solidFill>
-                      <a:prstDash val="solid"/>
-                      <a:round/>
-                      <a:headEnd type="none" w="med" len="med"/>
-                      <a:tailEnd type="none" w="med" len="med"/>
-                    </a:lnL>
-                    <a:lnR w="12700" cap="flat" cmpd="sng" algn="ctr">
-                      <a:solidFill>
-                        <a:schemeClr val="tx1"/>
-                      </a:solidFill>
-                      <a:prstDash val="solid"/>
-                      <a:round/>
-                      <a:headEnd type="none" w="med" len="med"/>
-                      <a:tailEnd type="none" w="med" len="med"/>
-                    </a:lnR>
-                    <a:lnT w="12700" cap="flat" cmpd="sng" algn="ctr">
-                      <a:solidFill>
-                        <a:schemeClr val="tx1"/>
-                      </a:solidFill>
-                      <a:prstDash val="solid"/>
-                      <a:round/>
-                      <a:headEnd type="none" w="med" len="med"/>
-                      <a:tailEnd type="none" w="med" len="med"/>
-                    </a:lnT>
-                    <a:lnB w="12700" cap="flat" cmpd="sng" algn="ctr">
-                      <a:solidFill>
-                        <a:schemeClr val="tx1"/>
-                      </a:solidFill>
-                      <a:prstDash val="solid"/>
-                      <a:round/>
-                      <a:headEnd type="none" w="med" len="med"/>
-                      <a:tailEnd type="none" w="med" len="med"/>
-                    </a:lnB>
-                  </a:tcPr>
-                </a:tc>
-                <a:extLst>
-                  <a:ext uri="{0D108BD9-81ED-4DB2-BD59-A6C34878D82A}">
-                    <a16:rowId xmlns:a16="http://schemas.microsoft.com/office/drawing/2014/main" val="2961798660"/>
-                  </a:ext>
-                </a:extLst>
-              </a:tr>
               <a:tr h="523766">
                 <a:tc>
                   <a:txBody>
@@ -5044,10 +5395,10 @@
                         <a:buNone/>
                       </a:pPr>
                       <a:r>
-                        <a:rPr lang="en-GB" b="1"/>
+                        <a:rPr lang="en-GB" b="1" dirty="0"/>
                         <a:t>Runner / Executor</a:t>
                       </a:r>
-                      <a:endParaRPr lang="en-GB"/>
+                      <a:endParaRPr lang="en-GB" dirty="0"/>
                     </a:p>
                   </a:txBody>
                   <a:tcPr anchor="ctr">
@@ -6474,8 +6825,8 @@
         </p:nvSpPr>
         <p:spPr>
           <a:xfrm>
-            <a:off x="335046" y="788758"/>
-            <a:ext cx="4537100" cy="1477328"/>
+            <a:off x="174503" y="788758"/>
+            <a:ext cx="5828427" cy="2769989"/>
           </a:xfrm>
           <a:prstGeom prst="rect">
             <a:avLst/>
@@ -6504,275 +6855,124 @@
           </a:p>
           <a:p>
             <a:r>
-              <a:rPr lang="en-GB" sz="1200" dirty="0">
-                <a:latin typeface="Cascadia Mono" panose="020B0609020000020004" pitchFamily="49" charset="0"/>
-                <a:cs typeface="Cascadia Mono" panose="020B0609020000020004" pitchFamily="49" charset="0"/>
-              </a:rPr>
-              <a:t>async def </a:t>
-            </a:r>
-            <a:r>
-              <a:rPr lang="en-GB" sz="1200" dirty="0" err="1">
-                <a:latin typeface="Cascadia Mono" panose="020B0609020000020004" pitchFamily="49" charset="0"/>
-                <a:cs typeface="Cascadia Mono" panose="020B0609020000020004" pitchFamily="49" charset="0"/>
-              </a:rPr>
-              <a:t>faq_invoker</a:t>
-            </a:r>
-            <a:r>
-              <a:rPr lang="en-GB" sz="1200" dirty="0">
-                <a:latin typeface="Cascadia Mono" panose="020B0609020000020004" pitchFamily="49" charset="0"/>
-                <a:cs typeface="Cascadia Mono" panose="020B0609020000020004" pitchFamily="49" charset="0"/>
-              </a:rPr>
-              <a:t>(</a:t>
-            </a:r>
-            <a:r>
-              <a:rPr lang="en-GB" sz="1200" dirty="0" err="1">
-                <a:latin typeface="Cascadia Mono" panose="020B0609020000020004" pitchFamily="49" charset="0"/>
-                <a:cs typeface="Cascadia Mono" panose="020B0609020000020004" pitchFamily="49" charset="0"/>
-              </a:rPr>
-              <a:t>tool_context</a:t>
-            </a:r>
-            <a:r>
-              <a:rPr lang="en-GB" sz="1200" dirty="0">
-                <a:latin typeface="Cascadia Mono" panose="020B0609020000020004" pitchFamily="49" charset="0"/>
-                <a:cs typeface="Cascadia Mono" panose="020B0609020000020004" pitchFamily="49" charset="0"/>
-              </a:rPr>
-              <a:t>, params):</a:t>
-            </a:r>
-          </a:p>
-          <a:p>
-            <a:r>
-              <a:rPr lang="en-GB" sz="1200" dirty="0">
-                <a:latin typeface="Cascadia Mono" panose="020B0609020000020004" pitchFamily="49" charset="0"/>
-                <a:cs typeface="Cascadia Mono" panose="020B0609020000020004" pitchFamily="49" charset="0"/>
-              </a:rPr>
-              <a:t>    </a:t>
-            </a:r>
-            <a:r>
-              <a:rPr lang="en-GB" sz="1200" dirty="0" err="1">
-                <a:latin typeface="Cascadia Mono" panose="020B0609020000020004" pitchFamily="49" charset="0"/>
-                <a:cs typeface="Cascadia Mono" panose="020B0609020000020004" pitchFamily="49" charset="0"/>
-              </a:rPr>
-              <a:t>args</a:t>
-            </a:r>
-            <a:r>
-              <a:rPr lang="en-GB" sz="1200" dirty="0">
-                <a:latin typeface="Cascadia Mono" panose="020B0609020000020004" pitchFamily="49" charset="0"/>
-                <a:cs typeface="Cascadia Mono" panose="020B0609020000020004" pitchFamily="49" charset="0"/>
-              </a:rPr>
-              <a:t> = </a:t>
-            </a:r>
-            <a:r>
-              <a:rPr lang="en-GB" sz="1200" dirty="0" err="1">
-                <a:latin typeface="Cascadia Mono" panose="020B0609020000020004" pitchFamily="49" charset="0"/>
-                <a:cs typeface="Cascadia Mono" panose="020B0609020000020004" pitchFamily="49" charset="0"/>
-              </a:rPr>
-              <a:t>json.loads</a:t>
-            </a:r>
-            <a:r>
-              <a:rPr lang="en-GB" sz="1200" dirty="0">
-                <a:latin typeface="Cascadia Mono" panose="020B0609020000020004" pitchFamily="49" charset="0"/>
-                <a:cs typeface="Cascadia Mono" panose="020B0609020000020004" pitchFamily="49" charset="0"/>
-              </a:rPr>
-              <a:t>(params) if </a:t>
-            </a:r>
-            <a:r>
-              <a:rPr lang="en-GB" sz="1200" dirty="0" err="1">
-                <a:latin typeface="Cascadia Mono" panose="020B0609020000020004" pitchFamily="49" charset="0"/>
-                <a:cs typeface="Cascadia Mono" panose="020B0609020000020004" pitchFamily="49" charset="0"/>
-              </a:rPr>
-              <a:t>isinstance</a:t>
-            </a:r>
-            <a:r>
-              <a:rPr lang="en-GB" sz="1200" dirty="0">
-                <a:latin typeface="Cascadia Mono" panose="020B0609020000020004" pitchFamily="49" charset="0"/>
-                <a:cs typeface="Cascadia Mono" panose="020B0609020000020004" pitchFamily="49" charset="0"/>
-              </a:rPr>
-              <a:t>(params, str) else params</a:t>
-            </a:r>
-          </a:p>
-          <a:p>
-            <a:r>
-              <a:rPr lang="en-GB" sz="1200" dirty="0">
-                <a:latin typeface="Cascadia Mono" panose="020B0609020000020004" pitchFamily="49" charset="0"/>
-                <a:cs typeface="Cascadia Mono" panose="020B0609020000020004" pitchFamily="49" charset="0"/>
-              </a:rPr>
-              <a:t>    </a:t>
-            </a:r>
-            <a:r>
-              <a:rPr lang="en-GB" sz="1200" dirty="0" err="1">
-                <a:latin typeface="Cascadia Mono" panose="020B0609020000020004" pitchFamily="49" charset="0"/>
-                <a:cs typeface="Cascadia Mono" panose="020B0609020000020004" pitchFamily="49" charset="0"/>
-              </a:rPr>
-              <a:t>user_query</a:t>
-            </a:r>
-            <a:r>
-              <a:rPr lang="en-GB" sz="1200" dirty="0">
-                <a:latin typeface="Cascadia Mono" panose="020B0609020000020004" pitchFamily="49" charset="0"/>
-                <a:cs typeface="Cascadia Mono" panose="020B0609020000020004" pitchFamily="49" charset="0"/>
-              </a:rPr>
-              <a:t> = </a:t>
-            </a:r>
-            <a:r>
-              <a:rPr lang="en-GB" sz="1200" dirty="0" err="1">
-                <a:latin typeface="Cascadia Mono" panose="020B0609020000020004" pitchFamily="49" charset="0"/>
-                <a:cs typeface="Cascadia Mono" panose="020B0609020000020004" pitchFamily="49" charset="0"/>
-              </a:rPr>
-              <a:t>args.get</a:t>
-            </a:r>
-            <a:r>
-              <a:rPr lang="en-GB" sz="1200" dirty="0">
-                <a:latin typeface="Cascadia Mono" panose="020B0609020000020004" pitchFamily="49" charset="0"/>
-                <a:cs typeface="Cascadia Mono" panose="020B0609020000020004" pitchFamily="49" charset="0"/>
-              </a:rPr>
-              <a:t>("topic", "").lower()</a:t>
-            </a:r>
-          </a:p>
-          <a:p>
-            <a:r>
-              <a:rPr lang="en-GB" sz="1200" dirty="0">
-                <a:latin typeface="Cascadia Mono" panose="020B0609020000020004" pitchFamily="49" charset="0"/>
-                <a:cs typeface="Cascadia Mono" panose="020B0609020000020004" pitchFamily="49" charset="0"/>
-              </a:rPr>
-              <a:t>    …</a:t>
-            </a:r>
-          </a:p>
-        </p:txBody>
-      </p:sp>
-      <p:sp>
-        <p:nvSpPr>
-          <p:cNvPr id="5" name="TextBox 4">
-            <a:extLst>
-              <a:ext uri="{FF2B5EF4-FFF2-40B4-BE49-F238E27FC236}">
-                <a16:creationId xmlns:a16="http://schemas.microsoft.com/office/drawing/2014/main" id="{435AA550-D3DB-0339-8E19-968809A915A9}"/>
-              </a:ext>
-            </a:extLst>
-          </p:cNvPr>
-          <p:cNvSpPr txBox="1"/>
-          <p:nvPr/>
-        </p:nvSpPr>
-        <p:spPr>
-          <a:xfrm>
-            <a:off x="5018729" y="583350"/>
-            <a:ext cx="6386839" cy="1600438"/>
-          </a:xfrm>
-          <a:prstGeom prst="rect">
-            <a:avLst/>
-          </a:prstGeom>
-          <a:solidFill>
-            <a:schemeClr val="accent6">
-              <a:lumMod val="20000"/>
-              <a:lumOff val="80000"/>
-            </a:schemeClr>
-          </a:solidFill>
-        </p:spPr>
-        <p:txBody>
-          <a:bodyPr wrap="square" rtlCol="0">
-            <a:spAutoFit/>
-          </a:bodyPr>
-          <a:lstStyle/>
-          <a:p>
-            <a:r>
-              <a:rPr lang="en-IN" sz="1400" dirty="0" err="1">
+              <a:rPr lang="en-US" b="1" dirty="0">
                 <a:solidFill>
                   <a:srgbClr val="FF0000"/>
                 </a:solidFill>
               </a:rPr>
-              <a:t>tool_context</a:t>
-            </a:r>
-            <a:r>
-              <a:rPr lang="en-IN" sz="1400" dirty="0"/>
-              <a:t>: Optional object containing metadata about the tool (function) invocation</a:t>
-            </a:r>
-          </a:p>
-          <a:p>
-            <a:r>
-              <a:rPr lang="en-IN" sz="1400" dirty="0">
-                <a:solidFill>
-                  <a:srgbClr val="FF0000"/>
-                </a:solidFill>
-              </a:rPr>
-              <a:t>params</a:t>
-            </a:r>
-            <a:r>
-              <a:rPr lang="en-IN" sz="1400" dirty="0"/>
-              <a:t>: Input from the LLM to the function (e.g. User query)</a:t>
-            </a:r>
-          </a:p>
-          <a:p>
-            <a:r>
-              <a:rPr lang="en-GB" sz="1100" dirty="0" err="1">
-                <a:solidFill>
-                  <a:srgbClr val="FF0000"/>
-                </a:solidFill>
-                <a:latin typeface="Cascadia Mono" panose="020B0609020000020004" pitchFamily="49" charset="0"/>
-                <a:cs typeface="Cascadia Mono" panose="020B0609020000020004" pitchFamily="49" charset="0"/>
-              </a:rPr>
-              <a:t>args</a:t>
-            </a:r>
-            <a:r>
-              <a:rPr lang="en-GB" sz="1100" dirty="0">
-                <a:solidFill>
-                  <a:srgbClr val="FF0000"/>
-                </a:solidFill>
-                <a:latin typeface="Cascadia Mono" panose="020B0609020000020004" pitchFamily="49" charset="0"/>
-                <a:cs typeface="Cascadia Mono" panose="020B0609020000020004" pitchFamily="49" charset="0"/>
-              </a:rPr>
+              <a:t>@function_tool</a:t>
+            </a:r>
+          </a:p>
+          <a:p>
+            <a:r>
+              <a:rPr lang="en-US" dirty="0"/>
+              <a:t>async def </a:t>
+            </a:r>
+            <a:r>
+              <a:rPr lang="en-US" dirty="0" err="1"/>
+              <a:t>faq_invoker</a:t>
+            </a:r>
+            <a:r>
+              <a:rPr lang="en-US" dirty="0"/>
+              <a:t>(topic: str) -&gt; str:</a:t>
+            </a:r>
+          </a:p>
+          <a:p>
+            <a:r>
+              <a:rPr lang="en-US" dirty="0"/>
+              <a:t>    </a:t>
+            </a:r>
+            <a:r>
+              <a:rPr lang="en-US" dirty="0" err="1"/>
+              <a:t>user_query</a:t>
+            </a:r>
+            <a:r>
+              <a:rPr lang="en-US" dirty="0"/>
               <a:t> = </a:t>
             </a:r>
             <a:r>
-              <a:rPr lang="en-GB" sz="1100" dirty="0" err="1">
-                <a:solidFill>
-                  <a:srgbClr val="FF0000"/>
-                </a:solidFill>
-                <a:latin typeface="Cascadia Mono" panose="020B0609020000020004" pitchFamily="49" charset="0"/>
-                <a:cs typeface="Cascadia Mono" panose="020B0609020000020004" pitchFamily="49" charset="0"/>
-              </a:rPr>
-              <a:t>json.loads</a:t>
-            </a:r>
-            <a:r>
-              <a:rPr lang="en-GB" sz="1100" dirty="0">
-                <a:solidFill>
-                  <a:srgbClr val="FF0000"/>
-                </a:solidFill>
-                <a:latin typeface="Cascadia Mono" panose="020B0609020000020004" pitchFamily="49" charset="0"/>
-                <a:cs typeface="Cascadia Mono" panose="020B0609020000020004" pitchFamily="49" charset="0"/>
-              </a:rPr>
-              <a:t>(params) if </a:t>
-            </a:r>
-            <a:r>
-              <a:rPr lang="en-GB" sz="1100" dirty="0" err="1">
-                <a:solidFill>
-                  <a:srgbClr val="FF0000"/>
-                </a:solidFill>
-                <a:latin typeface="Cascadia Mono" panose="020B0609020000020004" pitchFamily="49" charset="0"/>
-                <a:cs typeface="Cascadia Mono" panose="020B0609020000020004" pitchFamily="49" charset="0"/>
-              </a:rPr>
-              <a:t>isinstance</a:t>
-            </a:r>
-            <a:r>
-              <a:rPr lang="en-GB" sz="1100" dirty="0">
-                <a:solidFill>
-                  <a:srgbClr val="FF0000"/>
-                </a:solidFill>
-                <a:latin typeface="Cascadia Mono" panose="020B0609020000020004" pitchFamily="49" charset="0"/>
-                <a:cs typeface="Cascadia Mono" panose="020B0609020000020004" pitchFamily="49" charset="0"/>
-              </a:rPr>
-              <a:t>(params, str) else params</a:t>
-            </a:r>
-            <a:r>
-              <a:rPr lang="en-IN" sz="1400" dirty="0"/>
-              <a:t>: Sometimes the agent passes params as a JSON object, sometimes as Python dictionary – we need dictionary .. So check if it is a string and if yes, convert to JSON, else it is already a dictionary</a:t>
-            </a:r>
-            <a:endParaRPr lang="en-GB" sz="1400" dirty="0"/>
-          </a:p>
-        </p:txBody>
-      </p:sp>
-      <p:sp>
-        <p:nvSpPr>
-          <p:cNvPr id="6" name="TextBox 5">
-            <a:extLst>
-              <a:ext uri="{FF2B5EF4-FFF2-40B4-BE49-F238E27FC236}">
-                <a16:creationId xmlns:a16="http://schemas.microsoft.com/office/drawing/2014/main" id="{5C211C02-FF1F-D1FF-37CC-3E737836B79A}"/>
+              <a:rPr lang="en-US" dirty="0" err="1"/>
+              <a:t>topic.lower</a:t>
+            </a:r>
+            <a:r>
+              <a:rPr lang="en-US" dirty="0"/>
+              <a:t>()</a:t>
+            </a:r>
+          </a:p>
+          <a:p>
+            <a:r>
+              <a:rPr lang="en-US" dirty="0"/>
+              <a:t>    for </a:t>
+            </a:r>
+            <a:r>
+              <a:rPr lang="en-US" dirty="0" err="1"/>
+              <a:t>topic_key</a:t>
+            </a:r>
+            <a:r>
+              <a:rPr lang="en-US" dirty="0"/>
+              <a:t>, answer in  	</a:t>
+            </a:r>
+            <a:r>
+              <a:rPr lang="en-US" dirty="0" err="1"/>
+              <a:t>knowledge_base.items</a:t>
+            </a:r>
+            <a:r>
+              <a:rPr lang="en-US" dirty="0"/>
+              <a:t>():</a:t>
+            </a:r>
+          </a:p>
+          <a:p>
+            <a:r>
+              <a:rPr lang="en-US" dirty="0"/>
+              <a:t>        if </a:t>
+            </a:r>
+            <a:r>
+              <a:rPr lang="en-US" dirty="0" err="1"/>
+              <a:t>topic_key</a:t>
+            </a:r>
+            <a:r>
+              <a:rPr lang="en-US" dirty="0"/>
+              <a:t> in </a:t>
+            </a:r>
+            <a:r>
+              <a:rPr lang="en-US" dirty="0" err="1"/>
+              <a:t>user_query</a:t>
+            </a:r>
+            <a:r>
+              <a:rPr lang="en-US" dirty="0"/>
+              <a:t>:</a:t>
+            </a:r>
+          </a:p>
+          <a:p>
+            <a:r>
+              <a:rPr lang="en-US" dirty="0"/>
+              <a:t>            return answer</a:t>
+            </a:r>
+          </a:p>
+          <a:p>
+            <a:r>
+              <a:rPr lang="en-US" dirty="0"/>
+              <a:t>        return (</a:t>
+            </a:r>
+          </a:p>
+          <a:p>
+            <a:r>
+              <a:rPr lang="en-US" dirty="0"/>
+              <a:t>           "I'm sorry …    )</a:t>
+            </a:r>
+            <a:endParaRPr lang="en-GB" sz="1200" dirty="0">
+              <a:latin typeface="Cascadia Mono" panose="020B0609020000020004" pitchFamily="49" charset="0"/>
+              <a:cs typeface="Cascadia Mono" panose="020B0609020000020004" pitchFamily="49" charset="0"/>
+            </a:endParaRPr>
+          </a:p>
+        </p:txBody>
+      </p:sp>
+      <p:sp>
+        <p:nvSpPr>
+          <p:cNvPr id="10" name="TextBox 9">
+            <a:extLst>
+              <a:ext uri="{FF2B5EF4-FFF2-40B4-BE49-F238E27FC236}">
+                <a16:creationId xmlns:a16="http://schemas.microsoft.com/office/drawing/2014/main" id="{2B6B1585-4EBB-CE30-32FE-FFA9B1095CDF}"/>
               </a:ext>
             </a:extLst>
           </p:cNvPr>
@@ -6781,8 +6981,8 @@
         </p:nvSpPr>
         <p:spPr>
           <a:xfrm>
-            <a:off x="283858" y="2312228"/>
-            <a:ext cx="4588287" cy="1292662"/>
+            <a:off x="4111310" y="3627049"/>
+            <a:ext cx="6282136" cy="2769989"/>
           </a:xfrm>
           <a:prstGeom prst="rect">
             <a:avLst/>
@@ -6802,7 +7002,7 @@
           <a:p>
             <a:r>
               <a:rPr lang="en-IN" b="1" dirty="0"/>
-              <a:t>Step 2: Define the function schema</a:t>
+              <a:t>Step 2: Define the Agent with the Tool</a:t>
             </a:r>
             <a:endParaRPr lang="en-IN" sz="1200" b="1" dirty="0"/>
           </a:p>
@@ -6811,402 +7011,79 @@
           </a:p>
           <a:p>
             <a:r>
-              <a:rPr lang="en-GB" sz="1200" dirty="0" err="1">
-                <a:latin typeface="Cascadia Mono" panose="020B0609020000020004" pitchFamily="49" charset="0"/>
-                <a:cs typeface="Cascadia Mono" panose="020B0609020000020004" pitchFamily="49" charset="0"/>
+              <a:rPr lang="en-US" dirty="0" err="1"/>
+              <a:t>faq_agent</a:t>
+            </a:r>
+            <a:r>
+              <a:rPr lang="en-US" dirty="0"/>
+              <a:t> = Agent(</a:t>
+            </a:r>
+          </a:p>
+          <a:p>
+            <a:r>
+              <a:rPr lang="en-US" dirty="0"/>
+              <a:t>    name="Customer Support Bot",</a:t>
+            </a:r>
+          </a:p>
+          <a:p>
+            <a:r>
+              <a:rPr lang="en-US" dirty="0"/>
+              <a:t>    instructions=(</a:t>
+            </a:r>
+          </a:p>
+          <a:p>
+            <a:r>
+              <a:rPr lang="en-US" dirty="0"/>
+              <a:t>        "You are a helpful customer support assistant. "</a:t>
+            </a:r>
+          </a:p>
+          <a:p>
+            <a:r>
+              <a:rPr lang="en-US" dirty="0"/>
+              <a:t>        "Answer questions using your FAQ tool when appropriate."</a:t>
+            </a:r>
+          </a:p>
+          <a:p>
+            <a:r>
+              <a:rPr lang="en-US" dirty="0"/>
+              <a:t>    ),</a:t>
+            </a:r>
+          </a:p>
+          <a:p>
+            <a:r>
+              <a:rPr lang="en-US" dirty="0"/>
+              <a:t>    </a:t>
+            </a:r>
+            <a:r>
+              <a:rPr lang="en-US" b="1" dirty="0">
+                <a:solidFill>
+                  <a:srgbClr val="FF0000"/>
+                </a:solidFill>
               </a:rPr>
-              <a:t>faq_schema</a:t>
-            </a:r>
-            <a:r>
-              <a:rPr lang="en-GB" sz="1200" dirty="0">
-                <a:latin typeface="Cascadia Mono" panose="020B0609020000020004" pitchFamily="49" charset="0"/>
-                <a:cs typeface="Cascadia Mono" panose="020B0609020000020004" pitchFamily="49" charset="0"/>
-              </a:rPr>
-              <a:t> = {</a:t>
-            </a:r>
-          </a:p>
-          <a:p>
-            <a:r>
-              <a:rPr lang="en-GB" sz="1200" dirty="0">
-                <a:latin typeface="Cascadia Mono" panose="020B0609020000020004" pitchFamily="49" charset="0"/>
-                <a:cs typeface="Cascadia Mono" panose="020B0609020000020004" pitchFamily="49" charset="0"/>
-              </a:rPr>
-              <a:t>    "type": "object",</a:t>
-            </a:r>
-          </a:p>
-          <a:p>
-            <a:r>
-              <a:rPr lang="en-GB" sz="1200" dirty="0">
-                <a:latin typeface="Cascadia Mono" panose="020B0609020000020004" pitchFamily="49" charset="0"/>
-                <a:cs typeface="Cascadia Mono" panose="020B0609020000020004" pitchFamily="49" charset="0"/>
-              </a:rPr>
-              <a:t>    "properties": {</a:t>
-            </a:r>
-          </a:p>
-          <a:p>
-            <a:r>
-              <a:rPr lang="en-GB" sz="1200" dirty="0">
-                <a:latin typeface="Cascadia Mono" panose="020B0609020000020004" pitchFamily="49" charset="0"/>
-                <a:cs typeface="Cascadia Mono" panose="020B0609020000020004" pitchFamily="49" charset="0"/>
-              </a:rPr>
-              <a:t>        "topic": …</a:t>
-            </a:r>
-          </a:p>
-        </p:txBody>
-      </p:sp>
-      <p:sp>
-        <p:nvSpPr>
-          <p:cNvPr id="7" name="TextBox 6">
-            <a:extLst>
-              <a:ext uri="{FF2B5EF4-FFF2-40B4-BE49-F238E27FC236}">
-                <a16:creationId xmlns:a16="http://schemas.microsoft.com/office/drawing/2014/main" id="{BA30AD04-06BC-07D1-F644-61985202CA3B}"/>
-              </a:ext>
-            </a:extLst>
-          </p:cNvPr>
-          <p:cNvSpPr txBox="1"/>
-          <p:nvPr/>
-        </p:nvSpPr>
-        <p:spPr>
-          <a:xfrm>
-            <a:off x="5018729" y="2419776"/>
-            <a:ext cx="6307150" cy="738664"/>
-          </a:xfrm>
-          <a:prstGeom prst="rect">
-            <a:avLst/>
-          </a:prstGeom>
-          <a:solidFill>
-            <a:schemeClr val="accent6">
-              <a:lumMod val="20000"/>
-              <a:lumOff val="80000"/>
-            </a:schemeClr>
-          </a:solidFill>
-        </p:spPr>
-        <p:txBody>
-          <a:bodyPr wrap="square" rtlCol="0">
-            <a:spAutoFit/>
-          </a:bodyPr>
-          <a:lstStyle/>
-          <a:p>
-            <a:r>
-              <a:rPr lang="en-IN" sz="1400" dirty="0"/>
-              <a:t>Needed in step 3, when we want to register above function as a tool</a:t>
-            </a:r>
-          </a:p>
-          <a:p>
-            <a:r>
-              <a:rPr lang="en-IN" sz="1400" dirty="0"/>
-              <a:t>Schema = When the agent calls the function, what parameters does it need to pass to the function</a:t>
-            </a:r>
-            <a:endParaRPr lang="en-GB" sz="1400" dirty="0"/>
-          </a:p>
-        </p:txBody>
-      </p:sp>
-      <p:sp>
-        <p:nvSpPr>
-          <p:cNvPr id="8" name="TextBox 7">
-            <a:extLst>
-              <a:ext uri="{FF2B5EF4-FFF2-40B4-BE49-F238E27FC236}">
-                <a16:creationId xmlns:a16="http://schemas.microsoft.com/office/drawing/2014/main" id="{11052E86-5623-914B-315F-643D61FF8116}"/>
-              </a:ext>
-            </a:extLst>
-          </p:cNvPr>
-          <p:cNvSpPr txBox="1"/>
-          <p:nvPr/>
-        </p:nvSpPr>
-        <p:spPr>
-          <a:xfrm>
-            <a:off x="283857" y="3651032"/>
-            <a:ext cx="4588287" cy="1292662"/>
-          </a:xfrm>
-          <a:prstGeom prst="rect">
-            <a:avLst/>
-          </a:prstGeom>
-          <a:solidFill>
-            <a:schemeClr val="accent4">
-              <a:lumMod val="20000"/>
-              <a:lumOff val="80000"/>
-            </a:schemeClr>
-          </a:solidFill>
-        </p:spPr>
-        <p:txBody>
-          <a:bodyPr wrap="square" rtlCol="0">
-            <a:spAutoFit/>
-          </a:bodyPr>
-          <a:lstStyle/>
-          <a:p>
-            <a:r>
-              <a:rPr lang="en-IN" b="1" dirty="0"/>
-              <a:t>Step 3: Register the Tool</a:t>
-            </a:r>
-            <a:endParaRPr lang="en-IN" sz="1200" b="1" dirty="0"/>
-          </a:p>
-          <a:p>
-            <a:endParaRPr lang="en-IN" sz="1200" dirty="0"/>
-          </a:p>
-          <a:p>
-            <a:r>
-              <a:rPr lang="en-US" sz="1200" dirty="0" err="1">
-                <a:latin typeface="Cascadia Mono" panose="020B0609020000020004" pitchFamily="49" charset="0"/>
-                <a:cs typeface="Cascadia Mono" panose="020B0609020000020004" pitchFamily="49" charset="0"/>
-              </a:rPr>
-              <a:t>faq_tool</a:t>
-            </a:r>
-            <a:r>
-              <a:rPr lang="en-US" sz="1200" dirty="0">
-                <a:latin typeface="Cascadia Mono" panose="020B0609020000020004" pitchFamily="49" charset="0"/>
-                <a:cs typeface="Cascadia Mono" panose="020B0609020000020004" pitchFamily="49" charset="0"/>
-              </a:rPr>
-              <a:t> = </a:t>
-            </a:r>
-            <a:r>
-              <a:rPr lang="en-US" sz="1200" dirty="0" err="1">
-                <a:latin typeface="Cascadia Mono" panose="020B0609020000020004" pitchFamily="49" charset="0"/>
-                <a:cs typeface="Cascadia Mono" panose="020B0609020000020004" pitchFamily="49" charset="0"/>
-              </a:rPr>
-              <a:t>FunctionTool</a:t>
-            </a:r>
-            <a:r>
-              <a:rPr lang="en-US" sz="1200" dirty="0">
-                <a:latin typeface="Cascadia Mono" panose="020B0609020000020004" pitchFamily="49" charset="0"/>
-                <a:cs typeface="Cascadia Mono" panose="020B0609020000020004" pitchFamily="49" charset="0"/>
-              </a:rPr>
-              <a:t>(</a:t>
-            </a:r>
-          </a:p>
-          <a:p>
-            <a:r>
-              <a:rPr lang="en-US" sz="1200" dirty="0">
-                <a:latin typeface="Cascadia Mono" panose="020B0609020000020004" pitchFamily="49" charset="0"/>
-                <a:cs typeface="Cascadia Mono" panose="020B0609020000020004" pitchFamily="49" charset="0"/>
-              </a:rPr>
-              <a:t>    name="</a:t>
-            </a:r>
-            <a:r>
-              <a:rPr lang="en-US" sz="1200" dirty="0" err="1">
-                <a:latin typeface="Cascadia Mono" panose="020B0609020000020004" pitchFamily="49" charset="0"/>
-                <a:cs typeface="Cascadia Mono" panose="020B0609020000020004" pitchFamily="49" charset="0"/>
-              </a:rPr>
-              <a:t>get_faq_answer</a:t>
-            </a:r>
-            <a:r>
-              <a:rPr lang="en-US" sz="1200" dirty="0">
-                <a:latin typeface="Cascadia Mono" panose="020B0609020000020004" pitchFamily="49" charset="0"/>
-                <a:cs typeface="Cascadia Mono" panose="020B0609020000020004" pitchFamily="49" charset="0"/>
-              </a:rPr>
-              <a:t>",</a:t>
-            </a:r>
-          </a:p>
-          <a:p>
-            <a:r>
-              <a:rPr lang="en-US" sz="1200" dirty="0">
-                <a:latin typeface="Cascadia Mono" panose="020B0609020000020004" pitchFamily="49" charset="0"/>
-                <a:cs typeface="Cascadia Mono" panose="020B0609020000020004" pitchFamily="49" charset="0"/>
-              </a:rPr>
-              <a:t>    description="Provides answers to frequently asked customer support questions.",</a:t>
-            </a:r>
-            <a:r>
-              <a:rPr lang="en-GB" sz="1200" dirty="0">
-                <a:latin typeface="Cascadia Mono" panose="020B0609020000020004" pitchFamily="49" charset="0"/>
-                <a:cs typeface="Cascadia Mono" panose="020B0609020000020004" pitchFamily="49" charset="0"/>
-              </a:rPr>
-              <a:t> …</a:t>
+              <a:t>tools</a:t>
+            </a:r>
+            <a:r>
+              <a:rPr lang="en-US" dirty="0"/>
+              <a:t>=[</a:t>
+            </a:r>
+            <a:r>
+              <a:rPr lang="en-US" dirty="0" err="1"/>
+              <a:t>faq_invoker</a:t>
+            </a:r>
+            <a:r>
+              <a:rPr lang="en-US" dirty="0"/>
+              <a:t>]</a:t>
+            </a:r>
+          </a:p>
+          <a:p>
+            <a:r>
+              <a:rPr lang="en-US" dirty="0"/>
+              <a:t>)</a:t>
             </a:r>
             <a:endParaRPr lang="en-US" sz="1200" dirty="0">
               <a:latin typeface="Cascadia Mono" panose="020B0609020000020004" pitchFamily="49" charset="0"/>
               <a:cs typeface="Cascadia Mono" panose="020B0609020000020004" pitchFamily="49" charset="0"/>
             </a:endParaRPr>
-          </a:p>
-        </p:txBody>
-      </p:sp>
-      <p:sp>
-        <p:nvSpPr>
-          <p:cNvPr id="9" name="TextBox 8">
-            <a:extLst>
-              <a:ext uri="{FF2B5EF4-FFF2-40B4-BE49-F238E27FC236}">
-                <a16:creationId xmlns:a16="http://schemas.microsoft.com/office/drawing/2014/main" id="{8E64D556-F563-5C50-A915-A174C6CC0CAB}"/>
-              </a:ext>
-            </a:extLst>
-          </p:cNvPr>
-          <p:cNvSpPr txBox="1"/>
-          <p:nvPr/>
-        </p:nvSpPr>
-        <p:spPr>
-          <a:xfrm>
-            <a:off x="5018729" y="3828603"/>
-            <a:ext cx="6307150" cy="523220"/>
-          </a:xfrm>
-          <a:prstGeom prst="rect">
-            <a:avLst/>
-          </a:prstGeom>
-          <a:solidFill>
-            <a:schemeClr val="accent6">
-              <a:lumMod val="20000"/>
-              <a:lumOff val="80000"/>
-            </a:schemeClr>
-          </a:solidFill>
-        </p:spPr>
-        <p:txBody>
-          <a:bodyPr wrap="square" rtlCol="0">
-            <a:spAutoFit/>
-          </a:bodyPr>
-          <a:lstStyle/>
-          <a:p>
-            <a:r>
-              <a:rPr lang="en-IN" sz="1400" dirty="0"/>
-              <a:t>The tool registration is needed, so that the agent knows that it needs to call this function in order to complete its task</a:t>
-            </a:r>
-            <a:endParaRPr lang="en-GB" sz="1400" dirty="0"/>
-          </a:p>
-        </p:txBody>
-      </p:sp>
-      <p:sp>
-        <p:nvSpPr>
-          <p:cNvPr id="10" name="TextBox 9">
-            <a:extLst>
-              <a:ext uri="{FF2B5EF4-FFF2-40B4-BE49-F238E27FC236}">
-                <a16:creationId xmlns:a16="http://schemas.microsoft.com/office/drawing/2014/main" id="{2B6B1585-4EBB-CE30-32FE-FFA9B1095CDF}"/>
-              </a:ext>
-            </a:extLst>
-          </p:cNvPr>
-          <p:cNvSpPr txBox="1"/>
-          <p:nvPr/>
-        </p:nvSpPr>
-        <p:spPr>
-          <a:xfrm>
-            <a:off x="283856" y="5029866"/>
-            <a:ext cx="4588287" cy="1661993"/>
-          </a:xfrm>
-          <a:prstGeom prst="rect">
-            <a:avLst/>
-          </a:prstGeom>
-          <a:solidFill>
-            <a:schemeClr val="accent4">
-              <a:lumMod val="20000"/>
-              <a:lumOff val="80000"/>
-            </a:schemeClr>
-          </a:solidFill>
-        </p:spPr>
-        <p:txBody>
-          <a:bodyPr wrap="square" rtlCol="0">
-            <a:spAutoFit/>
-          </a:bodyPr>
-          <a:lstStyle/>
-          <a:p>
-            <a:r>
-              <a:rPr lang="en-IN" b="1" dirty="0"/>
-              <a:t>Step 4: Define the Agent with the Tool</a:t>
-            </a:r>
-            <a:endParaRPr lang="en-IN" sz="1200" b="1" dirty="0"/>
-          </a:p>
-          <a:p>
-            <a:endParaRPr lang="en-IN" sz="1200" dirty="0"/>
-          </a:p>
-          <a:p>
-            <a:r>
-              <a:rPr lang="en-US" sz="1200" dirty="0" err="1">
-                <a:latin typeface="Cascadia Mono" panose="020B0609020000020004" pitchFamily="49" charset="0"/>
-                <a:cs typeface="Cascadia Mono" panose="020B0609020000020004" pitchFamily="49" charset="0"/>
-              </a:rPr>
-              <a:t>faq_agent</a:t>
-            </a:r>
-            <a:r>
-              <a:rPr lang="en-US" sz="1200" dirty="0">
-                <a:latin typeface="Cascadia Mono" panose="020B0609020000020004" pitchFamily="49" charset="0"/>
-                <a:cs typeface="Cascadia Mono" panose="020B0609020000020004" pitchFamily="49" charset="0"/>
-              </a:rPr>
-              <a:t> = Agent(</a:t>
-            </a:r>
-          </a:p>
-          <a:p>
-            <a:r>
-              <a:rPr lang="en-US" sz="1200" dirty="0">
-                <a:latin typeface="Cascadia Mono" panose="020B0609020000020004" pitchFamily="49" charset="0"/>
-                <a:cs typeface="Cascadia Mono" panose="020B0609020000020004" pitchFamily="49" charset="0"/>
-              </a:rPr>
-              <a:t>    name="Customer Support Bot", …</a:t>
-            </a:r>
-          </a:p>
-          <a:p>
-            <a:r>
-              <a:rPr lang="en-US" sz="1200" dirty="0">
-                <a:latin typeface="Cascadia Mono" panose="020B0609020000020004" pitchFamily="49" charset="0"/>
-                <a:cs typeface="Cascadia Mono" panose="020B0609020000020004" pitchFamily="49" charset="0"/>
-              </a:rPr>
-              <a:t>   "Answer questions based on the knowledge base or use the provided FAQ tool.",</a:t>
-            </a:r>
-          </a:p>
-          <a:p>
-            <a:r>
-              <a:rPr lang="en-US" sz="1200" dirty="0">
-                <a:latin typeface="Cascadia Mono" panose="020B0609020000020004" pitchFamily="49" charset="0"/>
-                <a:cs typeface="Cascadia Mono" panose="020B0609020000020004" pitchFamily="49" charset="0"/>
-              </a:rPr>
-              <a:t>    tools=[</a:t>
-            </a:r>
-            <a:r>
-              <a:rPr lang="en-US" sz="1200" dirty="0" err="1">
-                <a:latin typeface="Cascadia Mono" panose="020B0609020000020004" pitchFamily="49" charset="0"/>
-                <a:cs typeface="Cascadia Mono" panose="020B0609020000020004" pitchFamily="49" charset="0"/>
-              </a:rPr>
-              <a:t>faq_tool</a:t>
-            </a:r>
-            <a:r>
-              <a:rPr lang="en-US" sz="1200" dirty="0">
-                <a:latin typeface="Cascadia Mono" panose="020B0609020000020004" pitchFamily="49" charset="0"/>
-                <a:cs typeface="Cascadia Mono" panose="020B0609020000020004" pitchFamily="49" charset="0"/>
-              </a:rPr>
-              <a:t>]</a:t>
-            </a:r>
-          </a:p>
-          <a:p>
-            <a:r>
-              <a:rPr lang="en-US" sz="1200" dirty="0">
-                <a:latin typeface="Cascadia Mono" panose="020B0609020000020004" pitchFamily="49" charset="0"/>
-                <a:cs typeface="Cascadia Mono" panose="020B0609020000020004" pitchFamily="49" charset="0"/>
-              </a:rPr>
-              <a:t>)</a:t>
-            </a:r>
-          </a:p>
-        </p:txBody>
-      </p:sp>
-      <p:sp>
-        <p:nvSpPr>
-          <p:cNvPr id="11" name="TextBox 10">
-            <a:extLst>
-              <a:ext uri="{FF2B5EF4-FFF2-40B4-BE49-F238E27FC236}">
-                <a16:creationId xmlns:a16="http://schemas.microsoft.com/office/drawing/2014/main" id="{8BC01476-52AD-E13C-3555-DFDA560B8AB1}"/>
-              </a:ext>
-            </a:extLst>
-          </p:cNvPr>
-          <p:cNvSpPr txBox="1"/>
-          <p:nvPr/>
-        </p:nvSpPr>
-        <p:spPr>
-          <a:xfrm>
-            <a:off x="5046650" y="5388690"/>
-            <a:ext cx="6307150" cy="307777"/>
-          </a:xfrm>
-          <a:prstGeom prst="rect">
-            <a:avLst/>
-          </a:prstGeom>
-          <a:solidFill>
-            <a:schemeClr val="accent6">
-              <a:lumMod val="20000"/>
-              <a:lumOff val="80000"/>
-            </a:schemeClr>
-          </a:solidFill>
-        </p:spPr>
-        <p:txBody>
-          <a:bodyPr wrap="square" rtlCol="0">
-            <a:spAutoFit/>
-          </a:bodyPr>
-          <a:lstStyle/>
-          <a:p>
-            <a:r>
-              <a:rPr lang="en-IN" sz="1400" dirty="0"/>
-              <a:t>The agent is told to use the tool for answering the questions of the user</a:t>
-            </a:r>
-            <a:endParaRPr lang="en-GB" sz="1400" dirty="0"/>
           </a:p>
         </p:txBody>
       </p:sp>
@@ -7330,7 +7207,7 @@
           <a:p>
             <a:r>
               <a:rPr lang="en-US" dirty="0"/>
-              <a:t>Embeddings convert both the stored answers and user queries into vectors, so we can measure how similar they are, even if the wording is different</a:t>
+              <a:t>Embeddings convert both the stored answers and user queries into vectors, so we can measure how similar they are, even if the wording is different*</a:t>
             </a:r>
           </a:p>
           <a:p>
@@ -7403,6 +7280,2112 @@
           <p:cNvPr id="2" name="Title 1">
             <a:extLst>
               <a:ext uri="{FF2B5EF4-FFF2-40B4-BE49-F238E27FC236}">
+                <a16:creationId xmlns:a16="http://schemas.microsoft.com/office/drawing/2014/main" id="{458977F8-752E-3F4A-B59C-633218FC1A63}"/>
+              </a:ext>
+            </a:extLst>
+          </p:cNvPr>
+          <p:cNvSpPr>
+            <a:spLocks noGrp="1"/>
+          </p:cNvSpPr>
+          <p:nvPr>
+            <p:ph type="title"/>
+          </p:nvPr>
+        </p:nvSpPr>
+        <p:spPr/>
+        <p:txBody>
+          <a:bodyPr/>
+          <a:lstStyle/>
+          <a:p>
+            <a:r>
+              <a:rPr lang="en-IN" dirty="0"/>
+              <a:t>Vector Embeddings and Semantic Search</a:t>
+            </a:r>
+            <a:endParaRPr lang="en-GB" dirty="0"/>
+          </a:p>
+        </p:txBody>
+      </p:sp>
+      <p:pic>
+        <p:nvPicPr>
+          <p:cNvPr id="35" name="Content Placeholder 34">
+            <a:extLst>
+              <a:ext uri="{FF2B5EF4-FFF2-40B4-BE49-F238E27FC236}">
+                <a16:creationId xmlns:a16="http://schemas.microsoft.com/office/drawing/2014/main" id="{56B83647-FC61-3BC6-D1B4-323907F145BC}"/>
+              </a:ext>
+            </a:extLst>
+          </p:cNvPr>
+          <p:cNvPicPr>
+            <a:picLocks noGrp="1" noChangeAspect="1"/>
+          </p:cNvPicPr>
+          <p:nvPr>
+            <p:ph idx="1"/>
+          </p:nvPr>
+        </p:nvPicPr>
+        <p:blipFill>
+          <a:blip r:embed="rId3">
+            <a:extLst>
+              <a:ext uri="{28A0092B-C50C-407E-A947-70E740481C1C}">
+                <a14:useLocalDpi xmlns:a14="http://schemas.microsoft.com/office/drawing/2010/main" val="0"/>
+              </a:ext>
+              <a:ext uri="{837473B0-CC2E-450A-ABE3-18F120FF3D39}">
+                <a1611:picAttrSrcUrl xmlns:a1611="http://schemas.microsoft.com/office/drawing/2016/11/main" r:id="rId4"/>
+              </a:ext>
+            </a:extLst>
+          </a:blip>
+          <a:stretch>
+            <a:fillRect/>
+          </a:stretch>
+        </p:blipFill>
+        <p:spPr>
+          <a:xfrm>
+            <a:off x="6716365" y="4413602"/>
+            <a:ext cx="846322" cy="1024121"/>
+          </a:xfrm>
+        </p:spPr>
+      </p:pic>
+      <p:sp>
+        <p:nvSpPr>
+          <p:cNvPr id="4" name="Rectangle: Folded Corner 3">
+            <a:extLst>
+              <a:ext uri="{FF2B5EF4-FFF2-40B4-BE49-F238E27FC236}">
+                <a16:creationId xmlns:a16="http://schemas.microsoft.com/office/drawing/2014/main" id="{1B91BE74-7585-0B90-418D-90804E673B85}"/>
+              </a:ext>
+            </a:extLst>
+          </p:cNvPr>
+          <p:cNvSpPr/>
+          <p:nvPr/>
+        </p:nvSpPr>
+        <p:spPr>
+          <a:xfrm>
+            <a:off x="527002" y="4215323"/>
+            <a:ext cx="746876" cy="788757"/>
+          </a:xfrm>
+          <a:prstGeom prst="foldedCorner">
+            <a:avLst/>
+          </a:prstGeom>
+          <a:solidFill>
+            <a:schemeClr val="accent2">
+              <a:lumMod val="40000"/>
+              <a:lumOff val="60000"/>
+            </a:schemeClr>
+          </a:solidFill>
+        </p:spPr>
+        <p:style>
+          <a:lnRef idx="2">
+            <a:schemeClr val="accent1">
+              <a:shade val="15000"/>
+            </a:schemeClr>
+          </a:lnRef>
+          <a:fillRef idx="1">
+            <a:schemeClr val="accent1"/>
+          </a:fillRef>
+          <a:effectRef idx="0">
+            <a:schemeClr val="accent1"/>
+          </a:effectRef>
+          <a:fontRef idx="minor">
+            <a:schemeClr val="lt1"/>
+          </a:fontRef>
+        </p:style>
+        <p:txBody>
+          <a:bodyPr rtlCol="0" anchor="ctr"/>
+          <a:lstStyle/>
+          <a:p>
+            <a:pPr algn="ctr"/>
+            <a:endParaRPr lang="en-GB"/>
+          </a:p>
+        </p:txBody>
+      </p:sp>
+      <p:sp>
+        <p:nvSpPr>
+          <p:cNvPr id="5" name="Rectangle: Folded Corner 4">
+            <a:extLst>
+              <a:ext uri="{FF2B5EF4-FFF2-40B4-BE49-F238E27FC236}">
+                <a16:creationId xmlns:a16="http://schemas.microsoft.com/office/drawing/2014/main" id="{4F0790B5-0301-350C-20AF-D0EB4A2FC583}"/>
+              </a:ext>
+            </a:extLst>
+          </p:cNvPr>
+          <p:cNvSpPr/>
+          <p:nvPr/>
+        </p:nvSpPr>
+        <p:spPr>
+          <a:xfrm>
+            <a:off x="679402" y="4367723"/>
+            <a:ext cx="746876" cy="788757"/>
+          </a:xfrm>
+          <a:prstGeom prst="foldedCorner">
+            <a:avLst/>
+          </a:prstGeom>
+          <a:solidFill>
+            <a:schemeClr val="accent2">
+              <a:lumMod val="40000"/>
+              <a:lumOff val="60000"/>
+            </a:schemeClr>
+          </a:solidFill>
+        </p:spPr>
+        <p:style>
+          <a:lnRef idx="2">
+            <a:schemeClr val="accent1">
+              <a:shade val="15000"/>
+            </a:schemeClr>
+          </a:lnRef>
+          <a:fillRef idx="1">
+            <a:schemeClr val="accent1"/>
+          </a:fillRef>
+          <a:effectRef idx="0">
+            <a:schemeClr val="accent1"/>
+          </a:effectRef>
+          <a:fontRef idx="minor">
+            <a:schemeClr val="lt1"/>
+          </a:fontRef>
+        </p:style>
+        <p:txBody>
+          <a:bodyPr rtlCol="0" anchor="ctr"/>
+          <a:lstStyle/>
+          <a:p>
+            <a:pPr algn="ctr"/>
+            <a:endParaRPr lang="en-GB"/>
+          </a:p>
+        </p:txBody>
+      </p:sp>
+      <p:sp>
+        <p:nvSpPr>
+          <p:cNvPr id="6" name="Rectangle: Folded Corner 5">
+            <a:extLst>
+              <a:ext uri="{FF2B5EF4-FFF2-40B4-BE49-F238E27FC236}">
+                <a16:creationId xmlns:a16="http://schemas.microsoft.com/office/drawing/2014/main" id="{F610827A-DE8E-1933-E3AA-7425AF5E9F62}"/>
+              </a:ext>
+            </a:extLst>
+          </p:cNvPr>
+          <p:cNvSpPr/>
+          <p:nvPr/>
+        </p:nvSpPr>
+        <p:spPr>
+          <a:xfrm>
+            <a:off x="831802" y="4520123"/>
+            <a:ext cx="746876" cy="788757"/>
+          </a:xfrm>
+          <a:prstGeom prst="foldedCorner">
+            <a:avLst/>
+          </a:prstGeom>
+          <a:solidFill>
+            <a:schemeClr val="accent2">
+              <a:lumMod val="40000"/>
+              <a:lumOff val="60000"/>
+            </a:schemeClr>
+          </a:solidFill>
+        </p:spPr>
+        <p:style>
+          <a:lnRef idx="2">
+            <a:schemeClr val="accent1">
+              <a:shade val="15000"/>
+            </a:schemeClr>
+          </a:lnRef>
+          <a:fillRef idx="1">
+            <a:schemeClr val="accent1"/>
+          </a:fillRef>
+          <a:effectRef idx="0">
+            <a:schemeClr val="accent1"/>
+          </a:effectRef>
+          <a:fontRef idx="minor">
+            <a:schemeClr val="lt1"/>
+          </a:fontRef>
+        </p:style>
+        <p:txBody>
+          <a:bodyPr rtlCol="0" anchor="ctr"/>
+          <a:lstStyle/>
+          <a:p>
+            <a:pPr algn="ctr"/>
+            <a:endParaRPr lang="en-GB"/>
+          </a:p>
+        </p:txBody>
+      </p:sp>
+      <p:sp>
+        <p:nvSpPr>
+          <p:cNvPr id="7" name="Rectangle: Folded Corner 6">
+            <a:extLst>
+              <a:ext uri="{FF2B5EF4-FFF2-40B4-BE49-F238E27FC236}">
+                <a16:creationId xmlns:a16="http://schemas.microsoft.com/office/drawing/2014/main" id="{79356709-8D09-696D-DD4A-FA6BED105464}"/>
+              </a:ext>
+            </a:extLst>
+          </p:cNvPr>
+          <p:cNvSpPr/>
+          <p:nvPr/>
+        </p:nvSpPr>
+        <p:spPr>
+          <a:xfrm>
+            <a:off x="984202" y="4672523"/>
+            <a:ext cx="746876" cy="788757"/>
+          </a:xfrm>
+          <a:prstGeom prst="foldedCorner">
+            <a:avLst/>
+          </a:prstGeom>
+          <a:solidFill>
+            <a:schemeClr val="accent2">
+              <a:lumMod val="40000"/>
+              <a:lumOff val="60000"/>
+            </a:schemeClr>
+          </a:solidFill>
+        </p:spPr>
+        <p:style>
+          <a:lnRef idx="2">
+            <a:schemeClr val="accent1">
+              <a:shade val="15000"/>
+            </a:schemeClr>
+          </a:lnRef>
+          <a:fillRef idx="1">
+            <a:schemeClr val="accent1"/>
+          </a:fillRef>
+          <a:effectRef idx="0">
+            <a:schemeClr val="accent1"/>
+          </a:effectRef>
+          <a:fontRef idx="minor">
+            <a:schemeClr val="lt1"/>
+          </a:fontRef>
+        </p:style>
+        <p:txBody>
+          <a:bodyPr rtlCol="0" anchor="ctr"/>
+          <a:lstStyle/>
+          <a:p>
+            <a:pPr algn="ctr"/>
+            <a:endParaRPr lang="en-GB"/>
+          </a:p>
+        </p:txBody>
+      </p:sp>
+      <p:sp>
+        <p:nvSpPr>
+          <p:cNvPr id="8" name="TextBox 7">
+            <a:extLst>
+              <a:ext uri="{FF2B5EF4-FFF2-40B4-BE49-F238E27FC236}">
+                <a16:creationId xmlns:a16="http://schemas.microsoft.com/office/drawing/2014/main" id="{F122CC8D-E1CB-70AA-C638-B03941132A85}"/>
+              </a:ext>
+            </a:extLst>
+          </p:cNvPr>
+          <p:cNvSpPr txBox="1"/>
+          <p:nvPr/>
+        </p:nvSpPr>
+        <p:spPr>
+          <a:xfrm>
+            <a:off x="397869" y="5468333"/>
+            <a:ext cx="1654296" cy="523220"/>
+          </a:xfrm>
+          <a:prstGeom prst="rect">
+            <a:avLst/>
+          </a:prstGeom>
+          <a:noFill/>
+        </p:spPr>
+        <p:txBody>
+          <a:bodyPr wrap="square" rtlCol="0">
+            <a:spAutoFit/>
+          </a:bodyPr>
+          <a:lstStyle/>
+          <a:p>
+            <a:pPr algn="ctr"/>
+            <a:r>
+              <a:rPr lang="en-IN" sz="1400" dirty="0"/>
+              <a:t>Our documents (PDF/Text/JSON/…)</a:t>
+            </a:r>
+            <a:endParaRPr lang="en-GB" sz="1400" dirty="0"/>
+          </a:p>
+        </p:txBody>
+      </p:sp>
+      <p:cxnSp>
+        <p:nvCxnSpPr>
+          <p:cNvPr id="10" name="Straight Arrow Connector 9">
+            <a:extLst>
+              <a:ext uri="{FF2B5EF4-FFF2-40B4-BE49-F238E27FC236}">
+                <a16:creationId xmlns:a16="http://schemas.microsoft.com/office/drawing/2014/main" id="{1E0C9082-E883-7E32-CEF3-5DF94250718D}"/>
+              </a:ext>
+            </a:extLst>
+          </p:cNvPr>
+          <p:cNvCxnSpPr>
+            <a:cxnSpLocks/>
+          </p:cNvCxnSpPr>
+          <p:nvPr/>
+        </p:nvCxnSpPr>
+        <p:spPr>
+          <a:xfrm>
+            <a:off x="1745038" y="5081550"/>
+            <a:ext cx="439750" cy="0"/>
+          </a:xfrm>
+          <a:prstGeom prst="straightConnector1">
+            <a:avLst/>
+          </a:prstGeom>
+          <a:ln w="25400">
+            <a:solidFill>
+              <a:schemeClr val="tx1"/>
+            </a:solidFill>
+            <a:tailEnd type="triangle"/>
+          </a:ln>
+        </p:spPr>
+        <p:style>
+          <a:lnRef idx="1">
+            <a:schemeClr val="accent1"/>
+          </a:lnRef>
+          <a:fillRef idx="0">
+            <a:schemeClr val="accent1"/>
+          </a:fillRef>
+          <a:effectRef idx="0">
+            <a:schemeClr val="accent1"/>
+          </a:effectRef>
+          <a:fontRef idx="minor">
+            <a:schemeClr val="tx1"/>
+          </a:fontRef>
+        </p:style>
+      </p:cxnSp>
+      <p:sp>
+        <p:nvSpPr>
+          <p:cNvPr id="12" name="TextBox 11">
+            <a:extLst>
+              <a:ext uri="{FF2B5EF4-FFF2-40B4-BE49-F238E27FC236}">
+                <a16:creationId xmlns:a16="http://schemas.microsoft.com/office/drawing/2014/main" id="{04391463-2372-6C61-4804-664DADDA25D3}"/>
+              </a:ext>
+            </a:extLst>
+          </p:cNvPr>
+          <p:cNvSpPr txBox="1"/>
+          <p:nvPr/>
+        </p:nvSpPr>
+        <p:spPr>
+          <a:xfrm>
+            <a:off x="2194678" y="4806600"/>
+            <a:ext cx="918471" cy="523220"/>
+          </a:xfrm>
+          <a:prstGeom prst="rect">
+            <a:avLst/>
+          </a:prstGeom>
+          <a:noFill/>
+          <a:ln w="25400">
+            <a:solidFill>
+              <a:schemeClr val="tx1"/>
+            </a:solidFill>
+          </a:ln>
+        </p:spPr>
+        <p:txBody>
+          <a:bodyPr wrap="square" rtlCol="0">
+            <a:spAutoFit/>
+          </a:bodyPr>
+          <a:lstStyle/>
+          <a:p>
+            <a:pPr algn="ctr"/>
+            <a:r>
+              <a:rPr lang="en-IN" sz="1400" dirty="0"/>
+              <a:t>Extract content</a:t>
+            </a:r>
+            <a:endParaRPr lang="en-GB" sz="1400" dirty="0"/>
+          </a:p>
+        </p:txBody>
+      </p:sp>
+      <p:cxnSp>
+        <p:nvCxnSpPr>
+          <p:cNvPr id="13" name="Straight Arrow Connector 12">
+            <a:extLst>
+              <a:ext uri="{FF2B5EF4-FFF2-40B4-BE49-F238E27FC236}">
+                <a16:creationId xmlns:a16="http://schemas.microsoft.com/office/drawing/2014/main" id="{DB2C5EA3-A983-F2BB-7094-BCCE5A2EF758}"/>
+              </a:ext>
+            </a:extLst>
+          </p:cNvPr>
+          <p:cNvCxnSpPr>
+            <a:cxnSpLocks/>
+          </p:cNvCxnSpPr>
+          <p:nvPr/>
+        </p:nvCxnSpPr>
+        <p:spPr>
+          <a:xfrm>
+            <a:off x="3113149" y="5081550"/>
+            <a:ext cx="439750" cy="0"/>
+          </a:xfrm>
+          <a:prstGeom prst="straightConnector1">
+            <a:avLst/>
+          </a:prstGeom>
+          <a:ln w="25400">
+            <a:solidFill>
+              <a:schemeClr val="tx1"/>
+            </a:solidFill>
+            <a:tailEnd type="none"/>
+          </a:ln>
+        </p:spPr>
+        <p:style>
+          <a:lnRef idx="1">
+            <a:schemeClr val="accent1"/>
+          </a:lnRef>
+          <a:fillRef idx="0">
+            <a:schemeClr val="accent1"/>
+          </a:fillRef>
+          <a:effectRef idx="0">
+            <a:schemeClr val="accent1"/>
+          </a:effectRef>
+          <a:fontRef idx="minor">
+            <a:schemeClr val="tx1"/>
+          </a:fontRef>
+        </p:style>
+      </p:cxnSp>
+      <p:sp>
+        <p:nvSpPr>
+          <p:cNvPr id="14" name="TextBox 13">
+            <a:extLst>
+              <a:ext uri="{FF2B5EF4-FFF2-40B4-BE49-F238E27FC236}">
+                <a16:creationId xmlns:a16="http://schemas.microsoft.com/office/drawing/2014/main" id="{F97C7DE4-C332-DB13-ECC5-17150BE30189}"/>
+              </a:ext>
+            </a:extLst>
+          </p:cNvPr>
+          <p:cNvSpPr txBox="1"/>
+          <p:nvPr/>
+        </p:nvSpPr>
+        <p:spPr>
+          <a:xfrm>
+            <a:off x="4029298" y="3781683"/>
+            <a:ext cx="918471" cy="523220"/>
+          </a:xfrm>
+          <a:prstGeom prst="rect">
+            <a:avLst/>
+          </a:prstGeom>
+          <a:noFill/>
+          <a:ln w="25400">
+            <a:solidFill>
+              <a:schemeClr val="tx1"/>
+            </a:solidFill>
+          </a:ln>
+        </p:spPr>
+        <p:txBody>
+          <a:bodyPr wrap="square" rtlCol="0">
+            <a:spAutoFit/>
+          </a:bodyPr>
+          <a:lstStyle/>
+          <a:p>
+            <a:pPr algn="ctr"/>
+            <a:r>
+              <a:rPr lang="en-IN" sz="1400" dirty="0"/>
+              <a:t>Text chunk</a:t>
+            </a:r>
+            <a:endParaRPr lang="en-GB" sz="1400" dirty="0"/>
+          </a:p>
+        </p:txBody>
+      </p:sp>
+      <p:sp>
+        <p:nvSpPr>
+          <p:cNvPr id="15" name="TextBox 14">
+            <a:extLst>
+              <a:ext uri="{FF2B5EF4-FFF2-40B4-BE49-F238E27FC236}">
+                <a16:creationId xmlns:a16="http://schemas.microsoft.com/office/drawing/2014/main" id="{9F13883B-B405-3428-B6A6-330D169DB5C2}"/>
+              </a:ext>
+            </a:extLst>
+          </p:cNvPr>
+          <p:cNvSpPr txBox="1"/>
+          <p:nvPr/>
+        </p:nvSpPr>
+        <p:spPr>
+          <a:xfrm>
+            <a:off x="4029297" y="4348093"/>
+            <a:ext cx="918471" cy="523220"/>
+          </a:xfrm>
+          <a:prstGeom prst="rect">
+            <a:avLst/>
+          </a:prstGeom>
+          <a:noFill/>
+          <a:ln w="25400">
+            <a:solidFill>
+              <a:schemeClr val="tx1"/>
+            </a:solidFill>
+          </a:ln>
+        </p:spPr>
+        <p:txBody>
+          <a:bodyPr wrap="square" rtlCol="0">
+            <a:spAutoFit/>
+          </a:bodyPr>
+          <a:lstStyle/>
+          <a:p>
+            <a:pPr algn="ctr"/>
+            <a:r>
+              <a:rPr lang="en-IN" sz="1400" dirty="0"/>
+              <a:t>Text chunk</a:t>
+            </a:r>
+            <a:endParaRPr lang="en-GB" sz="1400" dirty="0"/>
+          </a:p>
+        </p:txBody>
+      </p:sp>
+      <p:sp>
+        <p:nvSpPr>
+          <p:cNvPr id="16" name="TextBox 15">
+            <a:extLst>
+              <a:ext uri="{FF2B5EF4-FFF2-40B4-BE49-F238E27FC236}">
+                <a16:creationId xmlns:a16="http://schemas.microsoft.com/office/drawing/2014/main" id="{2EC79BA7-2D2F-C947-A251-22834FE03E98}"/>
+              </a:ext>
+            </a:extLst>
+          </p:cNvPr>
+          <p:cNvSpPr txBox="1"/>
+          <p:nvPr/>
+        </p:nvSpPr>
+        <p:spPr>
+          <a:xfrm>
+            <a:off x="4029297" y="4914503"/>
+            <a:ext cx="918471" cy="523220"/>
+          </a:xfrm>
+          <a:prstGeom prst="rect">
+            <a:avLst/>
+          </a:prstGeom>
+          <a:noFill/>
+          <a:ln w="25400">
+            <a:solidFill>
+              <a:schemeClr val="tx1"/>
+            </a:solidFill>
+          </a:ln>
+        </p:spPr>
+        <p:txBody>
+          <a:bodyPr wrap="square" rtlCol="0">
+            <a:spAutoFit/>
+          </a:bodyPr>
+          <a:lstStyle/>
+          <a:p>
+            <a:pPr algn="ctr"/>
+            <a:r>
+              <a:rPr lang="en-IN" sz="1400" dirty="0"/>
+              <a:t>Text chunk</a:t>
+            </a:r>
+            <a:endParaRPr lang="en-GB" sz="1400" dirty="0"/>
+          </a:p>
+        </p:txBody>
+      </p:sp>
+      <p:sp>
+        <p:nvSpPr>
+          <p:cNvPr id="17" name="TextBox 16">
+            <a:extLst>
+              <a:ext uri="{FF2B5EF4-FFF2-40B4-BE49-F238E27FC236}">
+                <a16:creationId xmlns:a16="http://schemas.microsoft.com/office/drawing/2014/main" id="{7E27E421-DEF6-9385-8F70-C4A350EC595B}"/>
+              </a:ext>
+            </a:extLst>
+          </p:cNvPr>
+          <p:cNvSpPr txBox="1"/>
+          <p:nvPr/>
+        </p:nvSpPr>
+        <p:spPr>
+          <a:xfrm>
+            <a:off x="4029296" y="5480913"/>
+            <a:ext cx="918471" cy="523220"/>
+          </a:xfrm>
+          <a:prstGeom prst="rect">
+            <a:avLst/>
+          </a:prstGeom>
+          <a:noFill/>
+          <a:ln w="25400">
+            <a:solidFill>
+              <a:schemeClr val="tx1"/>
+            </a:solidFill>
+          </a:ln>
+        </p:spPr>
+        <p:txBody>
+          <a:bodyPr wrap="square" rtlCol="0">
+            <a:spAutoFit/>
+          </a:bodyPr>
+          <a:lstStyle/>
+          <a:p>
+            <a:pPr algn="ctr"/>
+            <a:r>
+              <a:rPr lang="en-IN" sz="1400" dirty="0"/>
+              <a:t>Text chunk</a:t>
+            </a:r>
+            <a:endParaRPr lang="en-GB" sz="1400" dirty="0"/>
+          </a:p>
+        </p:txBody>
+      </p:sp>
+      <p:cxnSp>
+        <p:nvCxnSpPr>
+          <p:cNvPr id="19" name="Straight Connector 18">
+            <a:extLst>
+              <a:ext uri="{FF2B5EF4-FFF2-40B4-BE49-F238E27FC236}">
+                <a16:creationId xmlns:a16="http://schemas.microsoft.com/office/drawing/2014/main" id="{1B73C23E-DAEE-DB7B-ECA1-4D27F5086174}"/>
+              </a:ext>
+            </a:extLst>
+          </p:cNvPr>
+          <p:cNvCxnSpPr>
+            <a:cxnSpLocks/>
+          </p:cNvCxnSpPr>
+          <p:nvPr/>
+        </p:nvCxnSpPr>
+        <p:spPr>
+          <a:xfrm>
+            <a:off x="3552899" y="4041508"/>
+            <a:ext cx="0" cy="1706646"/>
+          </a:xfrm>
+          <a:prstGeom prst="line">
+            <a:avLst/>
+          </a:prstGeom>
+          <a:ln w="25400">
+            <a:solidFill>
+              <a:schemeClr val="tx1"/>
+            </a:solidFill>
+          </a:ln>
+        </p:spPr>
+        <p:style>
+          <a:lnRef idx="1">
+            <a:schemeClr val="accent1"/>
+          </a:lnRef>
+          <a:fillRef idx="0">
+            <a:schemeClr val="accent1"/>
+          </a:fillRef>
+          <a:effectRef idx="0">
+            <a:schemeClr val="accent1"/>
+          </a:effectRef>
+          <a:fontRef idx="minor">
+            <a:schemeClr val="tx1"/>
+          </a:fontRef>
+        </p:style>
+      </p:cxnSp>
+      <p:cxnSp>
+        <p:nvCxnSpPr>
+          <p:cNvPr id="20" name="Straight Arrow Connector 19">
+            <a:extLst>
+              <a:ext uri="{FF2B5EF4-FFF2-40B4-BE49-F238E27FC236}">
+                <a16:creationId xmlns:a16="http://schemas.microsoft.com/office/drawing/2014/main" id="{FCD5A5FA-B626-7CD0-1321-4A1ADE6E5396}"/>
+              </a:ext>
+            </a:extLst>
+          </p:cNvPr>
+          <p:cNvCxnSpPr>
+            <a:cxnSpLocks/>
+          </p:cNvCxnSpPr>
+          <p:nvPr/>
+        </p:nvCxnSpPr>
+        <p:spPr>
+          <a:xfrm>
+            <a:off x="3552899" y="4041508"/>
+            <a:ext cx="439750" cy="0"/>
+          </a:xfrm>
+          <a:prstGeom prst="straightConnector1">
+            <a:avLst/>
+          </a:prstGeom>
+          <a:ln w="25400">
+            <a:solidFill>
+              <a:schemeClr val="tx1"/>
+            </a:solidFill>
+            <a:tailEnd type="triangle"/>
+          </a:ln>
+        </p:spPr>
+        <p:style>
+          <a:lnRef idx="1">
+            <a:schemeClr val="accent1"/>
+          </a:lnRef>
+          <a:fillRef idx="0">
+            <a:schemeClr val="accent1"/>
+          </a:fillRef>
+          <a:effectRef idx="0">
+            <a:schemeClr val="accent1"/>
+          </a:effectRef>
+          <a:fontRef idx="minor">
+            <a:schemeClr val="tx1"/>
+          </a:fontRef>
+        </p:style>
+      </p:cxnSp>
+      <p:cxnSp>
+        <p:nvCxnSpPr>
+          <p:cNvPr id="21" name="Straight Arrow Connector 20">
+            <a:extLst>
+              <a:ext uri="{FF2B5EF4-FFF2-40B4-BE49-F238E27FC236}">
+                <a16:creationId xmlns:a16="http://schemas.microsoft.com/office/drawing/2014/main" id="{ECB390B0-D9A9-E14B-4FA0-008345803387}"/>
+              </a:ext>
+            </a:extLst>
+          </p:cNvPr>
+          <p:cNvCxnSpPr>
+            <a:cxnSpLocks/>
+          </p:cNvCxnSpPr>
+          <p:nvPr/>
+        </p:nvCxnSpPr>
+        <p:spPr>
+          <a:xfrm>
+            <a:off x="3552899" y="4612717"/>
+            <a:ext cx="439750" cy="0"/>
+          </a:xfrm>
+          <a:prstGeom prst="straightConnector1">
+            <a:avLst/>
+          </a:prstGeom>
+          <a:ln w="25400">
+            <a:solidFill>
+              <a:schemeClr val="tx1"/>
+            </a:solidFill>
+            <a:tailEnd type="triangle"/>
+          </a:ln>
+        </p:spPr>
+        <p:style>
+          <a:lnRef idx="1">
+            <a:schemeClr val="accent1"/>
+          </a:lnRef>
+          <a:fillRef idx="0">
+            <a:schemeClr val="accent1"/>
+          </a:fillRef>
+          <a:effectRef idx="0">
+            <a:schemeClr val="accent1"/>
+          </a:effectRef>
+          <a:fontRef idx="minor">
+            <a:schemeClr val="tx1"/>
+          </a:fontRef>
+        </p:style>
+      </p:cxnSp>
+      <p:cxnSp>
+        <p:nvCxnSpPr>
+          <p:cNvPr id="22" name="Straight Arrow Connector 21">
+            <a:extLst>
+              <a:ext uri="{FF2B5EF4-FFF2-40B4-BE49-F238E27FC236}">
+                <a16:creationId xmlns:a16="http://schemas.microsoft.com/office/drawing/2014/main" id="{1EFB9CC4-9B25-8AFC-4278-0B5E5F14B835}"/>
+              </a:ext>
+            </a:extLst>
+          </p:cNvPr>
+          <p:cNvCxnSpPr>
+            <a:cxnSpLocks/>
+          </p:cNvCxnSpPr>
+          <p:nvPr/>
+        </p:nvCxnSpPr>
+        <p:spPr>
+          <a:xfrm>
+            <a:off x="3552899" y="5211846"/>
+            <a:ext cx="439750" cy="0"/>
+          </a:xfrm>
+          <a:prstGeom prst="straightConnector1">
+            <a:avLst/>
+          </a:prstGeom>
+          <a:ln w="25400">
+            <a:solidFill>
+              <a:schemeClr val="tx1"/>
+            </a:solidFill>
+            <a:tailEnd type="triangle"/>
+          </a:ln>
+        </p:spPr>
+        <p:style>
+          <a:lnRef idx="1">
+            <a:schemeClr val="accent1"/>
+          </a:lnRef>
+          <a:fillRef idx="0">
+            <a:schemeClr val="accent1"/>
+          </a:fillRef>
+          <a:effectRef idx="0">
+            <a:schemeClr val="accent1"/>
+          </a:effectRef>
+          <a:fontRef idx="minor">
+            <a:schemeClr val="tx1"/>
+          </a:fontRef>
+        </p:style>
+      </p:cxnSp>
+      <p:cxnSp>
+        <p:nvCxnSpPr>
+          <p:cNvPr id="23" name="Straight Arrow Connector 22">
+            <a:extLst>
+              <a:ext uri="{FF2B5EF4-FFF2-40B4-BE49-F238E27FC236}">
+                <a16:creationId xmlns:a16="http://schemas.microsoft.com/office/drawing/2014/main" id="{3EE14EB5-A1DF-2E79-99D8-198F8A076370}"/>
+              </a:ext>
+            </a:extLst>
+          </p:cNvPr>
+          <p:cNvCxnSpPr>
+            <a:cxnSpLocks/>
+          </p:cNvCxnSpPr>
+          <p:nvPr/>
+        </p:nvCxnSpPr>
+        <p:spPr>
+          <a:xfrm>
+            <a:off x="3552899" y="5748154"/>
+            <a:ext cx="439750" cy="0"/>
+          </a:xfrm>
+          <a:prstGeom prst="straightConnector1">
+            <a:avLst/>
+          </a:prstGeom>
+          <a:ln w="25400">
+            <a:solidFill>
+              <a:schemeClr val="tx1"/>
+            </a:solidFill>
+            <a:tailEnd type="triangle"/>
+          </a:ln>
+        </p:spPr>
+        <p:style>
+          <a:lnRef idx="1">
+            <a:schemeClr val="accent1"/>
+          </a:lnRef>
+          <a:fillRef idx="0">
+            <a:schemeClr val="accent1"/>
+          </a:fillRef>
+          <a:effectRef idx="0">
+            <a:schemeClr val="accent1"/>
+          </a:effectRef>
+          <a:fontRef idx="minor">
+            <a:schemeClr val="tx1"/>
+          </a:fontRef>
+        </p:style>
+      </p:cxnSp>
+      <p:sp>
+        <p:nvSpPr>
+          <p:cNvPr id="25" name="TextBox 24">
+            <a:extLst>
+              <a:ext uri="{FF2B5EF4-FFF2-40B4-BE49-F238E27FC236}">
+                <a16:creationId xmlns:a16="http://schemas.microsoft.com/office/drawing/2014/main" id="{7C70F999-F9D9-5EEF-D155-99C64BD49EA6}"/>
+              </a:ext>
+            </a:extLst>
+          </p:cNvPr>
+          <p:cNvSpPr txBox="1"/>
+          <p:nvPr/>
+        </p:nvSpPr>
+        <p:spPr>
+          <a:xfrm>
+            <a:off x="5429984" y="3856678"/>
+            <a:ext cx="918471" cy="307777"/>
+          </a:xfrm>
+          <a:prstGeom prst="rect">
+            <a:avLst/>
+          </a:prstGeom>
+          <a:noFill/>
+          <a:ln w="25400">
+            <a:solidFill>
+              <a:schemeClr val="tx1"/>
+            </a:solidFill>
+          </a:ln>
+        </p:spPr>
+        <p:txBody>
+          <a:bodyPr wrap="square" rtlCol="0">
+            <a:spAutoFit/>
+          </a:bodyPr>
+          <a:lstStyle/>
+          <a:p>
+            <a:pPr algn="ctr"/>
+            <a:r>
+              <a:rPr lang="en-IN" sz="1400" dirty="0"/>
+              <a:t>0100101</a:t>
+            </a:r>
+            <a:endParaRPr lang="en-GB" sz="1400" dirty="0"/>
+          </a:p>
+        </p:txBody>
+      </p:sp>
+      <p:sp>
+        <p:nvSpPr>
+          <p:cNvPr id="26" name="TextBox 25">
+            <a:extLst>
+              <a:ext uri="{FF2B5EF4-FFF2-40B4-BE49-F238E27FC236}">
+                <a16:creationId xmlns:a16="http://schemas.microsoft.com/office/drawing/2014/main" id="{9B526FC4-8B66-F466-08D0-DDCF12C337AF}"/>
+              </a:ext>
+            </a:extLst>
+          </p:cNvPr>
+          <p:cNvSpPr txBox="1"/>
+          <p:nvPr/>
+        </p:nvSpPr>
+        <p:spPr>
+          <a:xfrm>
+            <a:off x="5429983" y="4423088"/>
+            <a:ext cx="918471" cy="307777"/>
+          </a:xfrm>
+          <a:prstGeom prst="rect">
+            <a:avLst/>
+          </a:prstGeom>
+          <a:noFill/>
+          <a:ln w="25400">
+            <a:solidFill>
+              <a:schemeClr val="tx1"/>
+            </a:solidFill>
+          </a:ln>
+        </p:spPr>
+        <p:txBody>
+          <a:bodyPr wrap="square" rtlCol="0">
+            <a:spAutoFit/>
+          </a:bodyPr>
+          <a:lstStyle/>
+          <a:p>
+            <a:pPr algn="ctr"/>
+            <a:r>
+              <a:rPr lang="en-IN" sz="1400" dirty="0"/>
+              <a:t>1101011</a:t>
+            </a:r>
+            <a:endParaRPr lang="en-GB" sz="1400" dirty="0"/>
+          </a:p>
+        </p:txBody>
+      </p:sp>
+      <p:sp>
+        <p:nvSpPr>
+          <p:cNvPr id="27" name="TextBox 26">
+            <a:extLst>
+              <a:ext uri="{FF2B5EF4-FFF2-40B4-BE49-F238E27FC236}">
+                <a16:creationId xmlns:a16="http://schemas.microsoft.com/office/drawing/2014/main" id="{767F1B1E-5788-A379-B9E5-34F0D8A1BCF2}"/>
+              </a:ext>
+            </a:extLst>
+          </p:cNvPr>
+          <p:cNvSpPr txBox="1"/>
+          <p:nvPr/>
+        </p:nvSpPr>
+        <p:spPr>
+          <a:xfrm>
+            <a:off x="5429983" y="4989498"/>
+            <a:ext cx="918471" cy="307777"/>
+          </a:xfrm>
+          <a:prstGeom prst="rect">
+            <a:avLst/>
+          </a:prstGeom>
+          <a:noFill/>
+          <a:ln w="25400">
+            <a:solidFill>
+              <a:schemeClr val="tx1"/>
+            </a:solidFill>
+          </a:ln>
+        </p:spPr>
+        <p:txBody>
+          <a:bodyPr wrap="square" rtlCol="0">
+            <a:spAutoFit/>
+          </a:bodyPr>
+          <a:lstStyle/>
+          <a:p>
+            <a:pPr algn="ctr"/>
+            <a:r>
+              <a:rPr lang="en-IN" sz="1400" dirty="0"/>
+              <a:t>0001111</a:t>
+            </a:r>
+            <a:endParaRPr lang="en-GB" sz="1400" dirty="0"/>
+          </a:p>
+        </p:txBody>
+      </p:sp>
+      <p:sp>
+        <p:nvSpPr>
+          <p:cNvPr id="28" name="TextBox 27">
+            <a:extLst>
+              <a:ext uri="{FF2B5EF4-FFF2-40B4-BE49-F238E27FC236}">
+                <a16:creationId xmlns:a16="http://schemas.microsoft.com/office/drawing/2014/main" id="{FEFBEB4F-1AE6-8E51-BA39-687545B388E0}"/>
+              </a:ext>
+            </a:extLst>
+          </p:cNvPr>
+          <p:cNvSpPr txBox="1"/>
+          <p:nvPr/>
+        </p:nvSpPr>
+        <p:spPr>
+          <a:xfrm>
+            <a:off x="5429982" y="5555908"/>
+            <a:ext cx="918471" cy="307777"/>
+          </a:xfrm>
+          <a:prstGeom prst="rect">
+            <a:avLst/>
+          </a:prstGeom>
+          <a:noFill/>
+          <a:ln w="25400">
+            <a:solidFill>
+              <a:schemeClr val="tx1"/>
+            </a:solidFill>
+          </a:ln>
+        </p:spPr>
+        <p:txBody>
+          <a:bodyPr wrap="square" rtlCol="0">
+            <a:spAutoFit/>
+          </a:bodyPr>
+          <a:lstStyle/>
+          <a:p>
+            <a:pPr algn="ctr"/>
+            <a:r>
+              <a:rPr lang="en-IN" sz="1400" dirty="0"/>
+              <a:t>1100110</a:t>
+            </a:r>
+            <a:endParaRPr lang="en-GB" sz="1400" dirty="0"/>
+          </a:p>
+        </p:txBody>
+      </p:sp>
+      <p:cxnSp>
+        <p:nvCxnSpPr>
+          <p:cNvPr id="29" name="Straight Arrow Connector 28">
+            <a:extLst>
+              <a:ext uri="{FF2B5EF4-FFF2-40B4-BE49-F238E27FC236}">
+                <a16:creationId xmlns:a16="http://schemas.microsoft.com/office/drawing/2014/main" id="{6C549259-AAB8-7A5D-6F39-D82D4CCF944A}"/>
+              </a:ext>
+            </a:extLst>
+          </p:cNvPr>
+          <p:cNvCxnSpPr>
+            <a:cxnSpLocks/>
+          </p:cNvCxnSpPr>
+          <p:nvPr/>
+        </p:nvCxnSpPr>
+        <p:spPr>
+          <a:xfrm>
+            <a:off x="4974525" y="4039723"/>
+            <a:ext cx="439750" cy="0"/>
+          </a:xfrm>
+          <a:prstGeom prst="straightConnector1">
+            <a:avLst/>
+          </a:prstGeom>
+          <a:ln w="25400">
+            <a:solidFill>
+              <a:schemeClr val="tx1"/>
+            </a:solidFill>
+            <a:tailEnd type="triangle"/>
+          </a:ln>
+        </p:spPr>
+        <p:style>
+          <a:lnRef idx="1">
+            <a:schemeClr val="accent1"/>
+          </a:lnRef>
+          <a:fillRef idx="0">
+            <a:schemeClr val="accent1"/>
+          </a:fillRef>
+          <a:effectRef idx="0">
+            <a:schemeClr val="accent1"/>
+          </a:effectRef>
+          <a:fontRef idx="minor">
+            <a:schemeClr val="tx1"/>
+          </a:fontRef>
+        </p:style>
+      </p:cxnSp>
+      <p:cxnSp>
+        <p:nvCxnSpPr>
+          <p:cNvPr id="30" name="Straight Arrow Connector 29">
+            <a:extLst>
+              <a:ext uri="{FF2B5EF4-FFF2-40B4-BE49-F238E27FC236}">
+                <a16:creationId xmlns:a16="http://schemas.microsoft.com/office/drawing/2014/main" id="{DC9371C4-97B8-F114-5B91-F9CC5CA1D4DC}"/>
+              </a:ext>
+            </a:extLst>
+          </p:cNvPr>
+          <p:cNvCxnSpPr>
+            <a:cxnSpLocks/>
+          </p:cNvCxnSpPr>
+          <p:nvPr/>
+        </p:nvCxnSpPr>
+        <p:spPr>
+          <a:xfrm>
+            <a:off x="4974525" y="4610932"/>
+            <a:ext cx="439750" cy="0"/>
+          </a:xfrm>
+          <a:prstGeom prst="straightConnector1">
+            <a:avLst/>
+          </a:prstGeom>
+          <a:ln w="25400">
+            <a:solidFill>
+              <a:schemeClr val="tx1"/>
+            </a:solidFill>
+            <a:tailEnd type="triangle"/>
+          </a:ln>
+        </p:spPr>
+        <p:style>
+          <a:lnRef idx="1">
+            <a:schemeClr val="accent1"/>
+          </a:lnRef>
+          <a:fillRef idx="0">
+            <a:schemeClr val="accent1"/>
+          </a:fillRef>
+          <a:effectRef idx="0">
+            <a:schemeClr val="accent1"/>
+          </a:effectRef>
+          <a:fontRef idx="minor">
+            <a:schemeClr val="tx1"/>
+          </a:fontRef>
+        </p:style>
+      </p:cxnSp>
+      <p:cxnSp>
+        <p:nvCxnSpPr>
+          <p:cNvPr id="31" name="Straight Arrow Connector 30">
+            <a:extLst>
+              <a:ext uri="{FF2B5EF4-FFF2-40B4-BE49-F238E27FC236}">
+                <a16:creationId xmlns:a16="http://schemas.microsoft.com/office/drawing/2014/main" id="{D7CCA96B-08B4-9729-B69A-18D5C1EA37DD}"/>
+              </a:ext>
+            </a:extLst>
+          </p:cNvPr>
+          <p:cNvCxnSpPr>
+            <a:cxnSpLocks/>
+          </p:cNvCxnSpPr>
+          <p:nvPr/>
+        </p:nvCxnSpPr>
+        <p:spPr>
+          <a:xfrm>
+            <a:off x="4974525" y="5168181"/>
+            <a:ext cx="439750" cy="0"/>
+          </a:xfrm>
+          <a:prstGeom prst="straightConnector1">
+            <a:avLst/>
+          </a:prstGeom>
+          <a:ln w="25400">
+            <a:solidFill>
+              <a:schemeClr val="tx1"/>
+            </a:solidFill>
+            <a:tailEnd type="triangle"/>
+          </a:ln>
+        </p:spPr>
+        <p:style>
+          <a:lnRef idx="1">
+            <a:schemeClr val="accent1"/>
+          </a:lnRef>
+          <a:fillRef idx="0">
+            <a:schemeClr val="accent1"/>
+          </a:fillRef>
+          <a:effectRef idx="0">
+            <a:schemeClr val="accent1"/>
+          </a:effectRef>
+          <a:fontRef idx="minor">
+            <a:schemeClr val="tx1"/>
+          </a:fontRef>
+        </p:style>
+      </p:cxnSp>
+      <p:cxnSp>
+        <p:nvCxnSpPr>
+          <p:cNvPr id="32" name="Straight Arrow Connector 31">
+            <a:extLst>
+              <a:ext uri="{FF2B5EF4-FFF2-40B4-BE49-F238E27FC236}">
+                <a16:creationId xmlns:a16="http://schemas.microsoft.com/office/drawing/2014/main" id="{B22A1E18-73A0-ACA4-4CB3-9DBF73CCB628}"/>
+              </a:ext>
+            </a:extLst>
+          </p:cNvPr>
+          <p:cNvCxnSpPr>
+            <a:cxnSpLocks/>
+          </p:cNvCxnSpPr>
+          <p:nvPr/>
+        </p:nvCxnSpPr>
+        <p:spPr>
+          <a:xfrm>
+            <a:off x="4974525" y="5746369"/>
+            <a:ext cx="439750" cy="0"/>
+          </a:xfrm>
+          <a:prstGeom prst="straightConnector1">
+            <a:avLst/>
+          </a:prstGeom>
+          <a:ln w="25400">
+            <a:solidFill>
+              <a:schemeClr val="tx1"/>
+            </a:solidFill>
+            <a:tailEnd type="triangle"/>
+          </a:ln>
+        </p:spPr>
+        <p:style>
+          <a:lnRef idx="1">
+            <a:schemeClr val="accent1"/>
+          </a:lnRef>
+          <a:fillRef idx="0">
+            <a:schemeClr val="accent1"/>
+          </a:fillRef>
+          <a:effectRef idx="0">
+            <a:schemeClr val="accent1"/>
+          </a:effectRef>
+          <a:fontRef idx="minor">
+            <a:schemeClr val="tx1"/>
+          </a:fontRef>
+        </p:style>
+      </p:cxnSp>
+      <p:sp>
+        <p:nvSpPr>
+          <p:cNvPr id="33" name="TextBox 32">
+            <a:extLst>
+              <a:ext uri="{FF2B5EF4-FFF2-40B4-BE49-F238E27FC236}">
+                <a16:creationId xmlns:a16="http://schemas.microsoft.com/office/drawing/2014/main" id="{CBE89021-2C32-5971-5856-A262CB1F832F}"/>
+              </a:ext>
+            </a:extLst>
+          </p:cNvPr>
+          <p:cNvSpPr txBox="1"/>
+          <p:nvPr/>
+        </p:nvSpPr>
+        <p:spPr>
+          <a:xfrm>
+            <a:off x="5062069" y="3299429"/>
+            <a:ext cx="1654296" cy="307777"/>
+          </a:xfrm>
+          <a:prstGeom prst="rect">
+            <a:avLst/>
+          </a:prstGeom>
+          <a:noFill/>
+        </p:spPr>
+        <p:txBody>
+          <a:bodyPr wrap="square" rtlCol="0">
+            <a:spAutoFit/>
+          </a:bodyPr>
+          <a:lstStyle/>
+          <a:p>
+            <a:pPr algn="ctr"/>
+            <a:r>
+              <a:rPr lang="en-IN" sz="1400" dirty="0"/>
+              <a:t>Embeddings</a:t>
+            </a:r>
+            <a:endParaRPr lang="en-GB" sz="1400" dirty="0"/>
+          </a:p>
+        </p:txBody>
+      </p:sp>
+      <p:cxnSp>
+        <p:nvCxnSpPr>
+          <p:cNvPr id="36" name="Straight Arrow Connector 35">
+            <a:extLst>
+              <a:ext uri="{FF2B5EF4-FFF2-40B4-BE49-F238E27FC236}">
+                <a16:creationId xmlns:a16="http://schemas.microsoft.com/office/drawing/2014/main" id="{DB1F11DC-E9F0-5434-249D-DCD19DD93348}"/>
+              </a:ext>
+            </a:extLst>
+          </p:cNvPr>
+          <p:cNvCxnSpPr>
+            <a:cxnSpLocks/>
+          </p:cNvCxnSpPr>
+          <p:nvPr/>
+        </p:nvCxnSpPr>
+        <p:spPr>
+          <a:xfrm>
+            <a:off x="6348453" y="4010566"/>
+            <a:ext cx="708481" cy="0"/>
+          </a:xfrm>
+          <a:prstGeom prst="straightConnector1">
+            <a:avLst/>
+          </a:prstGeom>
+          <a:ln w="25400">
+            <a:solidFill>
+              <a:schemeClr val="tx1"/>
+            </a:solidFill>
+            <a:tailEnd type="none"/>
+          </a:ln>
+        </p:spPr>
+        <p:style>
+          <a:lnRef idx="1">
+            <a:schemeClr val="accent1"/>
+          </a:lnRef>
+          <a:fillRef idx="0">
+            <a:schemeClr val="accent1"/>
+          </a:fillRef>
+          <a:effectRef idx="0">
+            <a:schemeClr val="accent1"/>
+          </a:effectRef>
+          <a:fontRef idx="minor">
+            <a:schemeClr val="tx1"/>
+          </a:fontRef>
+        </p:style>
+      </p:cxnSp>
+      <p:cxnSp>
+        <p:nvCxnSpPr>
+          <p:cNvPr id="38" name="Straight Arrow Connector 37">
+            <a:extLst>
+              <a:ext uri="{FF2B5EF4-FFF2-40B4-BE49-F238E27FC236}">
+                <a16:creationId xmlns:a16="http://schemas.microsoft.com/office/drawing/2014/main" id="{52A3EDBE-7A43-C678-75C7-BAEB79DA8731}"/>
+              </a:ext>
+            </a:extLst>
+          </p:cNvPr>
+          <p:cNvCxnSpPr>
+            <a:cxnSpLocks/>
+          </p:cNvCxnSpPr>
+          <p:nvPr/>
+        </p:nvCxnSpPr>
+        <p:spPr>
+          <a:xfrm>
+            <a:off x="7048792" y="4003586"/>
+            <a:ext cx="0" cy="397394"/>
+          </a:xfrm>
+          <a:prstGeom prst="straightConnector1">
+            <a:avLst/>
+          </a:prstGeom>
+          <a:ln w="25400">
+            <a:solidFill>
+              <a:schemeClr val="tx1"/>
+            </a:solidFill>
+            <a:tailEnd type="triangle"/>
+          </a:ln>
+        </p:spPr>
+        <p:style>
+          <a:lnRef idx="1">
+            <a:schemeClr val="accent1"/>
+          </a:lnRef>
+          <a:fillRef idx="0">
+            <a:schemeClr val="accent1"/>
+          </a:fillRef>
+          <a:effectRef idx="0">
+            <a:schemeClr val="accent1"/>
+          </a:effectRef>
+          <a:fontRef idx="minor">
+            <a:schemeClr val="tx1"/>
+          </a:fontRef>
+        </p:style>
+      </p:cxnSp>
+      <p:cxnSp>
+        <p:nvCxnSpPr>
+          <p:cNvPr id="40" name="Straight Arrow Connector 39">
+            <a:extLst>
+              <a:ext uri="{FF2B5EF4-FFF2-40B4-BE49-F238E27FC236}">
+                <a16:creationId xmlns:a16="http://schemas.microsoft.com/office/drawing/2014/main" id="{22B36AE7-C5C1-CAA0-8B04-BB79E8C75CC4}"/>
+              </a:ext>
+            </a:extLst>
+          </p:cNvPr>
+          <p:cNvCxnSpPr>
+            <a:cxnSpLocks/>
+          </p:cNvCxnSpPr>
+          <p:nvPr/>
+        </p:nvCxnSpPr>
+        <p:spPr>
+          <a:xfrm>
+            <a:off x="6348453" y="4574649"/>
+            <a:ext cx="439750" cy="0"/>
+          </a:xfrm>
+          <a:prstGeom prst="straightConnector1">
+            <a:avLst/>
+          </a:prstGeom>
+          <a:ln w="25400">
+            <a:solidFill>
+              <a:schemeClr val="tx1"/>
+            </a:solidFill>
+            <a:tailEnd type="triangle"/>
+          </a:ln>
+        </p:spPr>
+        <p:style>
+          <a:lnRef idx="1">
+            <a:schemeClr val="accent1"/>
+          </a:lnRef>
+          <a:fillRef idx="0">
+            <a:schemeClr val="accent1"/>
+          </a:fillRef>
+          <a:effectRef idx="0">
+            <a:schemeClr val="accent1"/>
+          </a:effectRef>
+          <a:fontRef idx="minor">
+            <a:schemeClr val="tx1"/>
+          </a:fontRef>
+        </p:style>
+      </p:cxnSp>
+      <p:cxnSp>
+        <p:nvCxnSpPr>
+          <p:cNvPr id="41" name="Straight Arrow Connector 40">
+            <a:extLst>
+              <a:ext uri="{FF2B5EF4-FFF2-40B4-BE49-F238E27FC236}">
+                <a16:creationId xmlns:a16="http://schemas.microsoft.com/office/drawing/2014/main" id="{F0E41567-5189-8067-5A32-29FFD456DC74}"/>
+              </a:ext>
+            </a:extLst>
+          </p:cNvPr>
+          <p:cNvCxnSpPr>
+            <a:cxnSpLocks/>
+          </p:cNvCxnSpPr>
+          <p:nvPr/>
+        </p:nvCxnSpPr>
+        <p:spPr>
+          <a:xfrm>
+            <a:off x="6348453" y="5164690"/>
+            <a:ext cx="439750" cy="0"/>
+          </a:xfrm>
+          <a:prstGeom prst="straightConnector1">
+            <a:avLst/>
+          </a:prstGeom>
+          <a:ln w="25400">
+            <a:solidFill>
+              <a:schemeClr val="tx1"/>
+            </a:solidFill>
+            <a:tailEnd type="triangle"/>
+          </a:ln>
+        </p:spPr>
+        <p:style>
+          <a:lnRef idx="1">
+            <a:schemeClr val="accent1"/>
+          </a:lnRef>
+          <a:fillRef idx="0">
+            <a:schemeClr val="accent1"/>
+          </a:fillRef>
+          <a:effectRef idx="0">
+            <a:schemeClr val="accent1"/>
+          </a:effectRef>
+          <a:fontRef idx="minor">
+            <a:schemeClr val="tx1"/>
+          </a:fontRef>
+        </p:style>
+      </p:cxnSp>
+      <p:cxnSp>
+        <p:nvCxnSpPr>
+          <p:cNvPr id="42" name="Straight Arrow Connector 41">
+            <a:extLst>
+              <a:ext uri="{FF2B5EF4-FFF2-40B4-BE49-F238E27FC236}">
+                <a16:creationId xmlns:a16="http://schemas.microsoft.com/office/drawing/2014/main" id="{509C0082-C93B-9FE5-4EC2-560AF921B12A}"/>
+              </a:ext>
+            </a:extLst>
+          </p:cNvPr>
+          <p:cNvCxnSpPr>
+            <a:cxnSpLocks/>
+          </p:cNvCxnSpPr>
+          <p:nvPr/>
+        </p:nvCxnSpPr>
+        <p:spPr>
+          <a:xfrm>
+            <a:off x="6347291" y="5742523"/>
+            <a:ext cx="708481" cy="0"/>
+          </a:xfrm>
+          <a:prstGeom prst="straightConnector1">
+            <a:avLst/>
+          </a:prstGeom>
+          <a:ln w="25400">
+            <a:solidFill>
+              <a:schemeClr val="tx1"/>
+            </a:solidFill>
+            <a:tailEnd type="none"/>
+          </a:ln>
+        </p:spPr>
+        <p:style>
+          <a:lnRef idx="1">
+            <a:schemeClr val="accent1"/>
+          </a:lnRef>
+          <a:fillRef idx="0">
+            <a:schemeClr val="accent1"/>
+          </a:fillRef>
+          <a:effectRef idx="0">
+            <a:schemeClr val="accent1"/>
+          </a:effectRef>
+          <a:fontRef idx="minor">
+            <a:schemeClr val="tx1"/>
+          </a:fontRef>
+        </p:style>
+      </p:cxnSp>
+      <p:cxnSp>
+        <p:nvCxnSpPr>
+          <p:cNvPr id="43" name="Straight Arrow Connector 42">
+            <a:extLst>
+              <a:ext uri="{FF2B5EF4-FFF2-40B4-BE49-F238E27FC236}">
+                <a16:creationId xmlns:a16="http://schemas.microsoft.com/office/drawing/2014/main" id="{C8DEF48C-1607-69AD-CBC4-30F60072F3CA}"/>
+              </a:ext>
+            </a:extLst>
+          </p:cNvPr>
+          <p:cNvCxnSpPr>
+            <a:cxnSpLocks/>
+          </p:cNvCxnSpPr>
+          <p:nvPr/>
+        </p:nvCxnSpPr>
+        <p:spPr>
+          <a:xfrm flipV="1">
+            <a:off x="7048792" y="5329820"/>
+            <a:ext cx="6980" cy="426463"/>
+          </a:xfrm>
+          <a:prstGeom prst="straightConnector1">
+            <a:avLst/>
+          </a:prstGeom>
+          <a:ln w="25400">
+            <a:solidFill>
+              <a:schemeClr val="tx1"/>
+            </a:solidFill>
+            <a:tailEnd type="triangle"/>
+          </a:ln>
+        </p:spPr>
+        <p:style>
+          <a:lnRef idx="1">
+            <a:schemeClr val="accent1"/>
+          </a:lnRef>
+          <a:fillRef idx="0">
+            <a:schemeClr val="accent1"/>
+          </a:fillRef>
+          <a:effectRef idx="0">
+            <a:schemeClr val="accent1"/>
+          </a:effectRef>
+          <a:fontRef idx="minor">
+            <a:schemeClr val="tx1"/>
+          </a:fontRef>
+        </p:style>
+      </p:cxnSp>
+      <p:sp>
+        <p:nvSpPr>
+          <p:cNvPr id="46" name="TextBox 45">
+            <a:extLst>
+              <a:ext uri="{FF2B5EF4-FFF2-40B4-BE49-F238E27FC236}">
+                <a16:creationId xmlns:a16="http://schemas.microsoft.com/office/drawing/2014/main" id="{D1C7154C-3BD8-30B3-1D1E-C9D6F7022A2A}"/>
+              </a:ext>
+            </a:extLst>
+          </p:cNvPr>
+          <p:cNvSpPr txBox="1"/>
+          <p:nvPr/>
+        </p:nvSpPr>
+        <p:spPr>
+          <a:xfrm>
+            <a:off x="6228624" y="5942898"/>
+            <a:ext cx="2077758" cy="523220"/>
+          </a:xfrm>
+          <a:prstGeom prst="rect">
+            <a:avLst/>
+          </a:prstGeom>
+          <a:noFill/>
+        </p:spPr>
+        <p:txBody>
+          <a:bodyPr wrap="square" rtlCol="0">
+            <a:spAutoFit/>
+          </a:bodyPr>
+          <a:lstStyle/>
+          <a:p>
+            <a:pPr algn="ctr"/>
+            <a:r>
+              <a:rPr lang="en-IN" sz="1400" dirty="0"/>
+              <a:t>Vector database</a:t>
+            </a:r>
+          </a:p>
+          <a:p>
+            <a:pPr algn="ctr"/>
+            <a:r>
+              <a:rPr lang="en-IN" sz="1400" dirty="0"/>
+              <a:t>(Embedding + Text chunk)</a:t>
+            </a:r>
+            <a:endParaRPr lang="en-GB" sz="1400" dirty="0"/>
+          </a:p>
+        </p:txBody>
+      </p:sp>
+      <p:pic>
+        <p:nvPicPr>
+          <p:cNvPr id="48" name="Picture 47">
+            <a:extLst>
+              <a:ext uri="{FF2B5EF4-FFF2-40B4-BE49-F238E27FC236}">
+                <a16:creationId xmlns:a16="http://schemas.microsoft.com/office/drawing/2014/main" id="{4FD841F2-9004-1672-1019-8FEE87C6CB50}"/>
+              </a:ext>
+            </a:extLst>
+          </p:cNvPr>
+          <p:cNvPicPr>
+            <a:picLocks noChangeAspect="1"/>
+          </p:cNvPicPr>
+          <p:nvPr/>
+        </p:nvPicPr>
+        <p:blipFill>
+          <a:blip r:embed="rId5">
+            <a:extLst>
+              <a:ext uri="{28A0092B-C50C-407E-A947-70E740481C1C}">
+                <a14:useLocalDpi xmlns:a14="http://schemas.microsoft.com/office/drawing/2010/main" val="0"/>
+              </a:ext>
+              <a:ext uri="{837473B0-CC2E-450A-ABE3-18F120FF3D39}">
+                <a1611:picAttrSrcUrl xmlns:a1611="http://schemas.microsoft.com/office/drawing/2016/11/main" r:id="rId6"/>
+              </a:ext>
+            </a:extLst>
+          </a:blip>
+          <a:stretch>
+            <a:fillRect/>
+          </a:stretch>
+        </p:blipFill>
+        <p:spPr>
+          <a:xfrm>
+            <a:off x="9507257" y="1315779"/>
+            <a:ext cx="866292" cy="866292"/>
+          </a:xfrm>
+          <a:prstGeom prst="rect">
+            <a:avLst/>
+          </a:prstGeom>
+        </p:spPr>
+      </p:pic>
+      <p:sp>
+        <p:nvSpPr>
+          <p:cNvPr id="49" name="TextBox 48">
+            <a:extLst>
+              <a:ext uri="{FF2B5EF4-FFF2-40B4-BE49-F238E27FC236}">
+                <a16:creationId xmlns:a16="http://schemas.microsoft.com/office/drawing/2014/main" id="{56E19506-8B29-21F1-44F9-C7D9EC64FA2C}"/>
+              </a:ext>
+            </a:extLst>
+          </p:cNvPr>
+          <p:cNvSpPr txBox="1"/>
+          <p:nvPr/>
+        </p:nvSpPr>
+        <p:spPr>
+          <a:xfrm>
+            <a:off x="8803720" y="2274520"/>
+            <a:ext cx="918471" cy="307777"/>
+          </a:xfrm>
+          <a:prstGeom prst="rect">
+            <a:avLst/>
+          </a:prstGeom>
+          <a:noFill/>
+          <a:ln w="25400">
+            <a:solidFill>
+              <a:schemeClr val="tx1"/>
+            </a:solidFill>
+          </a:ln>
+        </p:spPr>
+        <p:txBody>
+          <a:bodyPr wrap="square" rtlCol="0">
+            <a:spAutoFit/>
+          </a:bodyPr>
+          <a:lstStyle/>
+          <a:p>
+            <a:pPr algn="ctr"/>
+            <a:r>
+              <a:rPr lang="en-IN" sz="1400" dirty="0"/>
+              <a:t>Question</a:t>
+            </a:r>
+            <a:endParaRPr lang="en-GB" sz="1400" dirty="0"/>
+          </a:p>
+        </p:txBody>
+      </p:sp>
+      <p:cxnSp>
+        <p:nvCxnSpPr>
+          <p:cNvPr id="50" name="Straight Arrow Connector 49">
+            <a:extLst>
+              <a:ext uri="{FF2B5EF4-FFF2-40B4-BE49-F238E27FC236}">
+                <a16:creationId xmlns:a16="http://schemas.microsoft.com/office/drawing/2014/main" id="{A062DAA1-972D-D291-F711-ABACA5A2CA2C}"/>
+              </a:ext>
+            </a:extLst>
+          </p:cNvPr>
+          <p:cNvCxnSpPr>
+            <a:cxnSpLocks/>
+          </p:cNvCxnSpPr>
+          <p:nvPr/>
+        </p:nvCxnSpPr>
+        <p:spPr>
+          <a:xfrm>
+            <a:off x="9262955" y="2582297"/>
+            <a:ext cx="0" cy="397394"/>
+          </a:xfrm>
+          <a:prstGeom prst="straightConnector1">
+            <a:avLst/>
+          </a:prstGeom>
+          <a:ln w="25400">
+            <a:solidFill>
+              <a:schemeClr val="tx1"/>
+            </a:solidFill>
+            <a:tailEnd type="triangle"/>
+          </a:ln>
+        </p:spPr>
+        <p:style>
+          <a:lnRef idx="1">
+            <a:schemeClr val="accent1"/>
+          </a:lnRef>
+          <a:fillRef idx="0">
+            <a:schemeClr val="accent1"/>
+          </a:fillRef>
+          <a:effectRef idx="0">
+            <a:schemeClr val="accent1"/>
+          </a:effectRef>
+          <a:fontRef idx="minor">
+            <a:schemeClr val="tx1"/>
+          </a:fontRef>
+        </p:style>
+      </p:cxnSp>
+      <p:sp>
+        <p:nvSpPr>
+          <p:cNvPr id="51" name="TextBox 50">
+            <a:extLst>
+              <a:ext uri="{FF2B5EF4-FFF2-40B4-BE49-F238E27FC236}">
+                <a16:creationId xmlns:a16="http://schemas.microsoft.com/office/drawing/2014/main" id="{4CDB21FD-45C8-8C59-C018-4F6806730BDD}"/>
+              </a:ext>
+            </a:extLst>
+          </p:cNvPr>
+          <p:cNvSpPr txBox="1"/>
+          <p:nvPr/>
+        </p:nvSpPr>
+        <p:spPr>
+          <a:xfrm>
+            <a:off x="8785107" y="2976669"/>
+            <a:ext cx="918471" cy="307777"/>
+          </a:xfrm>
+          <a:prstGeom prst="rect">
+            <a:avLst/>
+          </a:prstGeom>
+          <a:noFill/>
+          <a:ln w="25400">
+            <a:solidFill>
+              <a:schemeClr val="tx1"/>
+            </a:solidFill>
+          </a:ln>
+        </p:spPr>
+        <p:txBody>
+          <a:bodyPr wrap="square" rtlCol="0">
+            <a:spAutoFit/>
+          </a:bodyPr>
+          <a:lstStyle/>
+          <a:p>
+            <a:pPr algn="ctr"/>
+            <a:r>
+              <a:rPr lang="en-IN" sz="1400" dirty="0"/>
+              <a:t>0100101</a:t>
+            </a:r>
+            <a:endParaRPr lang="en-GB" sz="1400" dirty="0"/>
+          </a:p>
+        </p:txBody>
+      </p:sp>
+      <p:sp>
+        <p:nvSpPr>
+          <p:cNvPr id="52" name="TextBox 51">
+            <a:extLst>
+              <a:ext uri="{FF2B5EF4-FFF2-40B4-BE49-F238E27FC236}">
+                <a16:creationId xmlns:a16="http://schemas.microsoft.com/office/drawing/2014/main" id="{3AD0D52E-D5DB-9CDC-5280-7C2E157C0788}"/>
+              </a:ext>
+            </a:extLst>
+          </p:cNvPr>
+          <p:cNvSpPr txBox="1"/>
+          <p:nvPr/>
+        </p:nvSpPr>
+        <p:spPr>
+          <a:xfrm>
+            <a:off x="7369735" y="2956135"/>
+            <a:ext cx="1654296" cy="307777"/>
+          </a:xfrm>
+          <a:prstGeom prst="rect">
+            <a:avLst/>
+          </a:prstGeom>
+          <a:noFill/>
+        </p:spPr>
+        <p:txBody>
+          <a:bodyPr wrap="square" rtlCol="0">
+            <a:spAutoFit/>
+          </a:bodyPr>
+          <a:lstStyle/>
+          <a:p>
+            <a:pPr algn="ctr"/>
+            <a:r>
+              <a:rPr lang="en-IN" sz="1400" dirty="0"/>
+              <a:t>Embedding</a:t>
+            </a:r>
+            <a:endParaRPr lang="en-GB" sz="1400" dirty="0"/>
+          </a:p>
+        </p:txBody>
+      </p:sp>
+      <p:cxnSp>
+        <p:nvCxnSpPr>
+          <p:cNvPr id="54" name="Straight Arrow Connector 53">
+            <a:extLst>
+              <a:ext uri="{FF2B5EF4-FFF2-40B4-BE49-F238E27FC236}">
+                <a16:creationId xmlns:a16="http://schemas.microsoft.com/office/drawing/2014/main" id="{11A69F72-8413-DD72-8F5A-2AFFFF024106}"/>
+              </a:ext>
+            </a:extLst>
+          </p:cNvPr>
+          <p:cNvCxnSpPr>
+            <a:cxnSpLocks/>
+          </p:cNvCxnSpPr>
+          <p:nvPr/>
+        </p:nvCxnSpPr>
+        <p:spPr>
+          <a:xfrm>
+            <a:off x="9262955" y="3299429"/>
+            <a:ext cx="0" cy="1275220"/>
+          </a:xfrm>
+          <a:prstGeom prst="straightConnector1">
+            <a:avLst/>
+          </a:prstGeom>
+          <a:ln w="25400">
+            <a:solidFill>
+              <a:schemeClr val="tx1"/>
+            </a:solidFill>
+            <a:tailEnd type="none"/>
+          </a:ln>
+        </p:spPr>
+        <p:style>
+          <a:lnRef idx="1">
+            <a:schemeClr val="accent1"/>
+          </a:lnRef>
+          <a:fillRef idx="0">
+            <a:schemeClr val="accent1"/>
+          </a:fillRef>
+          <a:effectRef idx="0">
+            <a:schemeClr val="accent1"/>
+          </a:effectRef>
+          <a:fontRef idx="minor">
+            <a:schemeClr val="tx1"/>
+          </a:fontRef>
+        </p:style>
+      </p:cxnSp>
+      <p:sp>
+        <p:nvSpPr>
+          <p:cNvPr id="55" name="TextBox 54">
+            <a:extLst>
+              <a:ext uri="{FF2B5EF4-FFF2-40B4-BE49-F238E27FC236}">
+                <a16:creationId xmlns:a16="http://schemas.microsoft.com/office/drawing/2014/main" id="{C4D98AAA-3953-F9B4-7031-F7E13B676BD3}"/>
+              </a:ext>
+            </a:extLst>
+          </p:cNvPr>
+          <p:cNvSpPr txBox="1"/>
+          <p:nvPr/>
+        </p:nvSpPr>
+        <p:spPr>
+          <a:xfrm>
+            <a:off x="7435876" y="4226711"/>
+            <a:ext cx="1654295" cy="307777"/>
+          </a:xfrm>
+          <a:prstGeom prst="rect">
+            <a:avLst/>
+          </a:prstGeom>
+          <a:noFill/>
+        </p:spPr>
+        <p:txBody>
+          <a:bodyPr wrap="square" rtlCol="0">
+            <a:spAutoFit/>
+          </a:bodyPr>
+          <a:lstStyle/>
+          <a:p>
+            <a:pPr algn="ctr"/>
+            <a:r>
+              <a:rPr lang="en-IN" sz="1400" dirty="0"/>
+              <a:t>Semantic search</a:t>
+            </a:r>
+            <a:endParaRPr lang="en-GB" sz="1400" dirty="0"/>
+          </a:p>
+        </p:txBody>
+      </p:sp>
+      <p:cxnSp>
+        <p:nvCxnSpPr>
+          <p:cNvPr id="57" name="Straight Arrow Connector 56">
+            <a:extLst>
+              <a:ext uri="{FF2B5EF4-FFF2-40B4-BE49-F238E27FC236}">
+                <a16:creationId xmlns:a16="http://schemas.microsoft.com/office/drawing/2014/main" id="{231647FE-93EA-9CCA-73D5-6365780CF8CC}"/>
+              </a:ext>
+            </a:extLst>
+          </p:cNvPr>
+          <p:cNvCxnSpPr>
+            <a:cxnSpLocks/>
+          </p:cNvCxnSpPr>
+          <p:nvPr/>
+        </p:nvCxnSpPr>
+        <p:spPr>
+          <a:xfrm flipH="1">
+            <a:off x="7464541" y="4595741"/>
+            <a:ext cx="1812374" cy="0"/>
+          </a:xfrm>
+          <a:prstGeom prst="straightConnector1">
+            <a:avLst/>
+          </a:prstGeom>
+          <a:ln w="25400">
+            <a:solidFill>
+              <a:schemeClr val="tx1"/>
+            </a:solidFill>
+            <a:tailEnd type="triangle"/>
+          </a:ln>
+        </p:spPr>
+        <p:style>
+          <a:lnRef idx="1">
+            <a:schemeClr val="accent1"/>
+          </a:lnRef>
+          <a:fillRef idx="0">
+            <a:schemeClr val="accent1"/>
+          </a:fillRef>
+          <a:effectRef idx="0">
+            <a:schemeClr val="accent1"/>
+          </a:effectRef>
+          <a:fontRef idx="minor">
+            <a:schemeClr val="tx1"/>
+          </a:fontRef>
+        </p:style>
+      </p:cxnSp>
+      <p:cxnSp>
+        <p:nvCxnSpPr>
+          <p:cNvPr id="64" name="Straight Arrow Connector 63">
+            <a:extLst>
+              <a:ext uri="{FF2B5EF4-FFF2-40B4-BE49-F238E27FC236}">
+                <a16:creationId xmlns:a16="http://schemas.microsoft.com/office/drawing/2014/main" id="{E3DE827A-DB48-F136-A344-55D76CBD416E}"/>
+              </a:ext>
+            </a:extLst>
+          </p:cNvPr>
+          <p:cNvCxnSpPr>
+            <a:cxnSpLocks/>
+            <a:endCxn id="73" idx="1"/>
+          </p:cNvCxnSpPr>
+          <p:nvPr/>
+        </p:nvCxnSpPr>
+        <p:spPr>
+          <a:xfrm>
+            <a:off x="7464541" y="4989498"/>
+            <a:ext cx="2438971" cy="17117"/>
+          </a:xfrm>
+          <a:prstGeom prst="straightConnector1">
+            <a:avLst/>
+          </a:prstGeom>
+          <a:ln w="25400">
+            <a:solidFill>
+              <a:schemeClr val="tx1"/>
+            </a:solidFill>
+            <a:tailEnd type="triangle"/>
+          </a:ln>
+        </p:spPr>
+        <p:style>
+          <a:lnRef idx="1">
+            <a:schemeClr val="accent1"/>
+          </a:lnRef>
+          <a:fillRef idx="0">
+            <a:schemeClr val="accent1"/>
+          </a:fillRef>
+          <a:effectRef idx="0">
+            <a:schemeClr val="accent1"/>
+          </a:effectRef>
+          <a:fontRef idx="minor">
+            <a:schemeClr val="tx1"/>
+          </a:fontRef>
+        </p:style>
+      </p:cxnSp>
+      <p:sp>
+        <p:nvSpPr>
+          <p:cNvPr id="67" name="TextBox 66">
+            <a:extLst>
+              <a:ext uri="{FF2B5EF4-FFF2-40B4-BE49-F238E27FC236}">
+                <a16:creationId xmlns:a16="http://schemas.microsoft.com/office/drawing/2014/main" id="{42CC0E46-6C9B-1B81-6401-6A39DB568588}"/>
+              </a:ext>
+            </a:extLst>
+          </p:cNvPr>
+          <p:cNvSpPr txBox="1"/>
+          <p:nvPr/>
+        </p:nvSpPr>
+        <p:spPr>
+          <a:xfrm>
+            <a:off x="7462490" y="5099064"/>
+            <a:ext cx="1447677" cy="307777"/>
+          </a:xfrm>
+          <a:prstGeom prst="rect">
+            <a:avLst/>
+          </a:prstGeom>
+          <a:noFill/>
+        </p:spPr>
+        <p:txBody>
+          <a:bodyPr wrap="square" rtlCol="0">
+            <a:spAutoFit/>
+          </a:bodyPr>
+          <a:lstStyle/>
+          <a:p>
+            <a:pPr algn="ctr"/>
+            <a:r>
+              <a:rPr lang="en-IN" sz="1400" dirty="0"/>
+              <a:t>Ranked results</a:t>
+            </a:r>
+            <a:endParaRPr lang="en-GB" sz="1400" dirty="0"/>
+          </a:p>
+        </p:txBody>
+      </p:sp>
+      <p:pic>
+        <p:nvPicPr>
+          <p:cNvPr id="73" name="Picture 72">
+            <a:extLst>
+              <a:ext uri="{FF2B5EF4-FFF2-40B4-BE49-F238E27FC236}">
+                <a16:creationId xmlns:a16="http://schemas.microsoft.com/office/drawing/2014/main" id="{4B781403-58AA-510B-0326-AEF6DA493C82}"/>
+              </a:ext>
+            </a:extLst>
+          </p:cNvPr>
+          <p:cNvPicPr>
+            <a:picLocks noChangeAspect="1"/>
+          </p:cNvPicPr>
+          <p:nvPr/>
+        </p:nvPicPr>
+        <p:blipFill>
+          <a:blip r:embed="rId7"/>
+          <a:stretch>
+            <a:fillRect/>
+          </a:stretch>
+        </p:blipFill>
+        <p:spPr>
+          <a:xfrm>
+            <a:off x="9903512" y="4615848"/>
+            <a:ext cx="918468" cy="781533"/>
+          </a:xfrm>
+          <a:prstGeom prst="rect">
+            <a:avLst/>
+          </a:prstGeom>
+        </p:spPr>
+      </p:pic>
+      <p:pic>
+        <p:nvPicPr>
+          <p:cNvPr id="75" name="Picture 74">
+            <a:extLst>
+              <a:ext uri="{FF2B5EF4-FFF2-40B4-BE49-F238E27FC236}">
+                <a16:creationId xmlns:a16="http://schemas.microsoft.com/office/drawing/2014/main" id="{FFBD0233-972A-2B8D-E937-3ABF51514248}"/>
+              </a:ext>
+            </a:extLst>
+          </p:cNvPr>
+          <p:cNvPicPr>
+            <a:picLocks noChangeAspect="1"/>
+          </p:cNvPicPr>
+          <p:nvPr/>
+        </p:nvPicPr>
+        <p:blipFill>
+          <a:blip r:embed="rId8"/>
+          <a:stretch>
+            <a:fillRect/>
+          </a:stretch>
+        </p:blipFill>
+        <p:spPr>
+          <a:xfrm>
+            <a:off x="8809946" y="5045805"/>
+            <a:ext cx="1161478" cy="430948"/>
+          </a:xfrm>
+          <a:prstGeom prst="rect">
+            <a:avLst/>
+          </a:prstGeom>
+        </p:spPr>
+      </p:pic>
+      <p:sp>
+        <p:nvSpPr>
+          <p:cNvPr id="76" name="TextBox 75">
+            <a:extLst>
+              <a:ext uri="{FF2B5EF4-FFF2-40B4-BE49-F238E27FC236}">
+                <a16:creationId xmlns:a16="http://schemas.microsoft.com/office/drawing/2014/main" id="{35681A3F-6CF8-4E56-E5AB-2D4993C6A9F4}"/>
+              </a:ext>
+            </a:extLst>
+          </p:cNvPr>
+          <p:cNvSpPr txBox="1"/>
+          <p:nvPr/>
+        </p:nvSpPr>
+        <p:spPr>
+          <a:xfrm>
+            <a:off x="10060560" y="2274520"/>
+            <a:ext cx="918471" cy="307777"/>
+          </a:xfrm>
+          <a:prstGeom prst="rect">
+            <a:avLst/>
+          </a:prstGeom>
+          <a:noFill/>
+          <a:ln w="25400">
+            <a:solidFill>
+              <a:schemeClr val="tx1"/>
+            </a:solidFill>
+          </a:ln>
+        </p:spPr>
+        <p:txBody>
+          <a:bodyPr wrap="square" rtlCol="0">
+            <a:spAutoFit/>
+          </a:bodyPr>
+          <a:lstStyle/>
+          <a:p>
+            <a:pPr algn="ctr"/>
+            <a:r>
+              <a:rPr lang="en-IN" sz="1400" dirty="0"/>
+              <a:t>Answer</a:t>
+            </a:r>
+            <a:endParaRPr lang="en-GB" sz="1400" dirty="0"/>
+          </a:p>
+        </p:txBody>
+      </p:sp>
+      <p:cxnSp>
+        <p:nvCxnSpPr>
+          <p:cNvPr id="77" name="Straight Arrow Connector 76">
+            <a:extLst>
+              <a:ext uri="{FF2B5EF4-FFF2-40B4-BE49-F238E27FC236}">
+                <a16:creationId xmlns:a16="http://schemas.microsoft.com/office/drawing/2014/main" id="{0B2F3A32-A3CC-F8D7-FBA7-156917F484C3}"/>
+              </a:ext>
+            </a:extLst>
+          </p:cNvPr>
+          <p:cNvCxnSpPr>
+            <a:cxnSpLocks/>
+          </p:cNvCxnSpPr>
+          <p:nvPr/>
+        </p:nvCxnSpPr>
+        <p:spPr>
+          <a:xfrm flipH="1">
+            <a:off x="10429660" y="2594573"/>
+            <a:ext cx="19486" cy="2027404"/>
+          </a:xfrm>
+          <a:prstGeom prst="straightConnector1">
+            <a:avLst/>
+          </a:prstGeom>
+          <a:ln w="25400">
+            <a:solidFill>
+              <a:schemeClr val="tx1"/>
+            </a:solidFill>
+            <a:headEnd type="triangle"/>
+            <a:tailEnd type="none"/>
+          </a:ln>
+        </p:spPr>
+        <p:style>
+          <a:lnRef idx="1">
+            <a:schemeClr val="accent1"/>
+          </a:lnRef>
+          <a:fillRef idx="0">
+            <a:schemeClr val="accent1"/>
+          </a:fillRef>
+          <a:effectRef idx="0">
+            <a:schemeClr val="accent1"/>
+          </a:effectRef>
+          <a:fontRef idx="minor">
+            <a:schemeClr val="tx1"/>
+          </a:fontRef>
+        </p:style>
+      </p:cxnSp>
+    </p:spTree>
+    <p:extLst>
+      <p:ext uri="{BB962C8B-B14F-4D97-AF65-F5344CB8AC3E}">
+        <p14:creationId xmlns:p14="http://schemas.microsoft.com/office/powerpoint/2010/main" val="2680958285"/>
+      </p:ext>
+    </p:extLst>
+  </p:cSld>
+  <p:clrMapOvr>
+    <a:masterClrMapping/>
+  </p:clrMapOvr>
+</p:sld>
+</file>
+
+<file path=ppt/slides/slide17.xml><?xml version="1.0" encoding="utf-8"?>
+<p:sld xmlns:a="http://schemas.openxmlformats.org/drawingml/2006/main" xmlns:r="http://schemas.openxmlformats.org/officeDocument/2006/relationships" xmlns:p="http://schemas.openxmlformats.org/presentationml/2006/main">
+  <p:cSld>
+    <p:spTree>
+      <p:nvGrpSpPr>
+        <p:cNvPr id="1" name=""/>
+        <p:cNvGrpSpPr/>
+        <p:nvPr/>
+      </p:nvGrpSpPr>
+      <p:grpSpPr>
+        <a:xfrm>
+          <a:off x="0" y="0"/>
+          <a:ext cx="0" cy="0"/>
+          <a:chOff x="0" y="0"/>
+          <a:chExt cx="0" cy="0"/>
+        </a:xfrm>
+      </p:grpSpPr>
+      <p:sp>
+        <p:nvSpPr>
+          <p:cNvPr id="2" name="Title 1">
+            <a:extLst>
+              <a:ext uri="{FF2B5EF4-FFF2-40B4-BE49-F238E27FC236}">
                 <a16:creationId xmlns:a16="http://schemas.microsoft.com/office/drawing/2014/main" id="{2F5C9D0F-24A3-F1BC-7BE5-A6654D5E116A}"/>
               </a:ext>
             </a:extLst>
@@ -7779,7 +9762,7 @@
 </p:sld>
 </file>
 
-<file path=ppt/slides/slide17.xml><?xml version="1.0" encoding="utf-8"?>
+<file path=ppt/slides/slide18.xml><?xml version="1.0" encoding="utf-8"?>
 <p:sld xmlns:a="http://schemas.openxmlformats.org/drawingml/2006/main" xmlns:r="http://schemas.openxmlformats.org/officeDocument/2006/relationships" xmlns:p="http://schemas.openxmlformats.org/presentationml/2006/main">
   <p:cSld>
     <p:spTree>
@@ -8321,7 +10304,7 @@
 </p:sld>
 </file>
 
-<file path=ppt/slides/slide18.xml><?xml version="1.0" encoding="utf-8"?>
+<file path=ppt/slides/slide19.xml><?xml version="1.0" encoding="utf-8"?>
 <p:sld xmlns:a="http://schemas.openxmlformats.org/drawingml/2006/main" xmlns:r="http://schemas.openxmlformats.org/officeDocument/2006/relationships" xmlns:p="http://schemas.openxmlformats.org/presentationml/2006/main">
   <p:cSld>
     <p:spTree>
@@ -8577,7 +10560,153 @@
 </p:sld>
 </file>
 
-<file path=ppt/slides/slide19.xml><?xml version="1.0" encoding="utf-8"?>
+<file path=ppt/slides/slide2.xml><?xml version="1.0" encoding="utf-8"?>
+<p:sld xmlns:a="http://schemas.openxmlformats.org/drawingml/2006/main" xmlns:r="http://schemas.openxmlformats.org/officeDocument/2006/relationships" xmlns:p="http://schemas.openxmlformats.org/presentationml/2006/main">
+  <p:cSld>
+    <p:spTree>
+      <p:nvGrpSpPr>
+        <p:cNvPr id="1" name=""/>
+        <p:cNvGrpSpPr/>
+        <p:nvPr/>
+      </p:nvGrpSpPr>
+      <p:grpSpPr>
+        <a:xfrm>
+          <a:off x="0" y="0"/>
+          <a:ext cx="0" cy="0"/>
+          <a:chOff x="0" y="0"/>
+          <a:chExt cx="0" cy="0"/>
+        </a:xfrm>
+      </p:grpSpPr>
+      <p:sp>
+        <p:nvSpPr>
+          <p:cNvPr id="4" name="Title 3">
+            <a:extLst>
+              <a:ext uri="{FF2B5EF4-FFF2-40B4-BE49-F238E27FC236}">
+                <a16:creationId xmlns:a16="http://schemas.microsoft.com/office/drawing/2014/main" id="{C37AA3C1-5A66-87CA-F078-914CF7AA2DBC}"/>
+              </a:ext>
+            </a:extLst>
+          </p:cNvPr>
+          <p:cNvSpPr>
+            <a:spLocks noGrp="1"/>
+          </p:cNvSpPr>
+          <p:nvPr>
+            <p:ph type="title"/>
+          </p:nvPr>
+        </p:nvSpPr>
+        <p:spPr/>
+        <p:txBody>
+          <a:bodyPr/>
+          <a:lstStyle/>
+          <a:p>
+            <a:r>
+              <a:rPr lang="en-IN" dirty="0"/>
+              <a:t>Agents</a:t>
+            </a:r>
+          </a:p>
+        </p:txBody>
+      </p:sp>
+      <p:sp>
+        <p:nvSpPr>
+          <p:cNvPr id="5" name="Content Placeholder 4">
+            <a:extLst>
+              <a:ext uri="{FF2B5EF4-FFF2-40B4-BE49-F238E27FC236}">
+                <a16:creationId xmlns:a16="http://schemas.microsoft.com/office/drawing/2014/main" id="{98DF3C67-034A-5F49-9486-64AC7BCA7047}"/>
+              </a:ext>
+            </a:extLst>
+          </p:cNvPr>
+          <p:cNvSpPr>
+            <a:spLocks noGrp="1"/>
+          </p:cNvSpPr>
+          <p:nvPr>
+            <p:ph idx="1"/>
+          </p:nvPr>
+        </p:nvSpPr>
+        <p:spPr/>
+        <p:txBody>
+          <a:bodyPr/>
+          <a:lstStyle/>
+          <a:p>
+            <a:r>
+              <a:rPr lang="en-IN" dirty="0"/>
+              <a:t>OpenAI definition of agents …</a:t>
+            </a:r>
+          </a:p>
+          <a:p>
+            <a:r>
+              <a:rPr lang="en-IN" dirty="0"/>
+              <a:t>“</a:t>
+            </a:r>
+            <a:r>
+              <a:rPr lang="en-US" dirty="0"/>
+              <a:t>Agents represent </a:t>
+            </a:r>
+            <a:r>
+              <a:rPr lang="en-US" b="1" dirty="0"/>
+              <a:t>systems that intelligently accomplish tasks</a:t>
+            </a:r>
+            <a:r>
+              <a:rPr lang="en-US" dirty="0"/>
+              <a:t>, ranging from executing simple workflows to pursuing complex, open-ended objectives.”</a:t>
+            </a:r>
+          </a:p>
+          <a:p>
+            <a:endParaRPr lang="en-US" dirty="0">
+              <a:solidFill>
+                <a:srgbClr val="FF0000"/>
+              </a:solidFill>
+            </a:endParaRPr>
+          </a:p>
+          <a:p>
+            <a:r>
+              <a:rPr lang="en-US" dirty="0"/>
+              <a:t>Installation: 	</a:t>
+            </a:r>
+            <a:r>
+              <a:rPr lang="en-US" b="1" dirty="0"/>
+              <a:t>pip 	install 	</a:t>
+            </a:r>
+            <a:r>
+              <a:rPr lang="en-US" b="1" dirty="0" err="1"/>
+              <a:t>openai</a:t>
+            </a:r>
+            <a:r>
+              <a:rPr lang="en-US" b="1" dirty="0"/>
+              <a:t>-agents</a:t>
+            </a:r>
+          </a:p>
+          <a:p>
+            <a:endParaRPr lang="en-US" b="1" dirty="0"/>
+          </a:p>
+          <a:p>
+            <a:r>
+              <a:rPr lang="en-US" dirty="0"/>
+              <a:t>Using the Agent API: </a:t>
+            </a:r>
+            <a:r>
+              <a:rPr lang="it-IT" dirty="0"/>
+              <a:t>C:\code\agenticai\2_openai_agents\2_1_openai_agent.py</a:t>
+            </a:r>
+            <a:endParaRPr lang="en-US" dirty="0"/>
+          </a:p>
+          <a:p>
+            <a:endParaRPr lang="en-IN" dirty="0"/>
+          </a:p>
+        </p:txBody>
+      </p:sp>
+    </p:spTree>
+    <p:extLst>
+      <p:ext uri="{BB962C8B-B14F-4D97-AF65-F5344CB8AC3E}">
+        <p14:creationId xmlns:p14="http://schemas.microsoft.com/office/powerpoint/2010/main" val="687909232"/>
+      </p:ext>
+    </p:extLst>
+  </p:cSld>
+  <p:clrMapOvr>
+    <a:masterClrMapping/>
+  </p:clrMapOvr>
+</p:sld>
+</file>
+
+<file path=ppt/slides/slide20.xml><?xml version="1.0" encoding="utf-8"?>
 <p:sld xmlns:a="http://schemas.openxmlformats.org/drawingml/2006/main" xmlns:r="http://schemas.openxmlformats.org/officeDocument/2006/relationships" xmlns:p="http://schemas.openxmlformats.org/presentationml/2006/main">
   <p:cSld>
     <p:spTree>
@@ -8937,153 +11066,7 @@
 </p:sld>
 </file>
 
-<file path=ppt/slides/slide2.xml><?xml version="1.0" encoding="utf-8"?>
-<p:sld xmlns:a="http://schemas.openxmlformats.org/drawingml/2006/main" xmlns:r="http://schemas.openxmlformats.org/officeDocument/2006/relationships" xmlns:p="http://schemas.openxmlformats.org/presentationml/2006/main">
-  <p:cSld>
-    <p:spTree>
-      <p:nvGrpSpPr>
-        <p:cNvPr id="1" name=""/>
-        <p:cNvGrpSpPr/>
-        <p:nvPr/>
-      </p:nvGrpSpPr>
-      <p:grpSpPr>
-        <a:xfrm>
-          <a:off x="0" y="0"/>
-          <a:ext cx="0" cy="0"/>
-          <a:chOff x="0" y="0"/>
-          <a:chExt cx="0" cy="0"/>
-        </a:xfrm>
-      </p:grpSpPr>
-      <p:sp>
-        <p:nvSpPr>
-          <p:cNvPr id="4" name="Title 3">
-            <a:extLst>
-              <a:ext uri="{FF2B5EF4-FFF2-40B4-BE49-F238E27FC236}">
-                <a16:creationId xmlns:a16="http://schemas.microsoft.com/office/drawing/2014/main" id="{C37AA3C1-5A66-87CA-F078-914CF7AA2DBC}"/>
-              </a:ext>
-            </a:extLst>
-          </p:cNvPr>
-          <p:cNvSpPr>
-            <a:spLocks noGrp="1"/>
-          </p:cNvSpPr>
-          <p:nvPr>
-            <p:ph type="title"/>
-          </p:nvPr>
-        </p:nvSpPr>
-        <p:spPr/>
-        <p:txBody>
-          <a:bodyPr/>
-          <a:lstStyle/>
-          <a:p>
-            <a:r>
-              <a:rPr lang="en-IN" dirty="0"/>
-              <a:t>Agents</a:t>
-            </a:r>
-          </a:p>
-        </p:txBody>
-      </p:sp>
-      <p:sp>
-        <p:nvSpPr>
-          <p:cNvPr id="5" name="Content Placeholder 4">
-            <a:extLst>
-              <a:ext uri="{FF2B5EF4-FFF2-40B4-BE49-F238E27FC236}">
-                <a16:creationId xmlns:a16="http://schemas.microsoft.com/office/drawing/2014/main" id="{98DF3C67-034A-5F49-9486-64AC7BCA7047}"/>
-              </a:ext>
-            </a:extLst>
-          </p:cNvPr>
-          <p:cNvSpPr>
-            <a:spLocks noGrp="1"/>
-          </p:cNvSpPr>
-          <p:nvPr>
-            <p:ph idx="1"/>
-          </p:nvPr>
-        </p:nvSpPr>
-        <p:spPr/>
-        <p:txBody>
-          <a:bodyPr/>
-          <a:lstStyle/>
-          <a:p>
-            <a:r>
-              <a:rPr lang="en-IN" dirty="0"/>
-              <a:t>OpenAI definition of agents …</a:t>
-            </a:r>
-          </a:p>
-          <a:p>
-            <a:r>
-              <a:rPr lang="en-IN" dirty="0"/>
-              <a:t>“</a:t>
-            </a:r>
-            <a:r>
-              <a:rPr lang="en-US" dirty="0"/>
-              <a:t>Agents represent </a:t>
-            </a:r>
-            <a:r>
-              <a:rPr lang="en-US" b="1" dirty="0"/>
-              <a:t>systems that intelligently accomplish tasks</a:t>
-            </a:r>
-            <a:r>
-              <a:rPr lang="en-US" dirty="0"/>
-              <a:t>, ranging from executing simple workflows to pursuing complex, open-ended objectives.”</a:t>
-            </a:r>
-          </a:p>
-          <a:p>
-            <a:endParaRPr lang="en-US" dirty="0">
-              <a:solidFill>
-                <a:srgbClr val="FF0000"/>
-              </a:solidFill>
-            </a:endParaRPr>
-          </a:p>
-          <a:p>
-            <a:r>
-              <a:rPr lang="en-US" dirty="0"/>
-              <a:t>Installation: 	</a:t>
-            </a:r>
-            <a:r>
-              <a:rPr lang="en-US" b="1" dirty="0"/>
-              <a:t>pip 	install 	</a:t>
-            </a:r>
-            <a:r>
-              <a:rPr lang="en-US" b="1" dirty="0" err="1"/>
-              <a:t>openai</a:t>
-            </a:r>
-            <a:r>
-              <a:rPr lang="en-US" b="1" dirty="0"/>
-              <a:t>-agents</a:t>
-            </a:r>
-          </a:p>
-          <a:p>
-            <a:endParaRPr lang="en-US" b="1" dirty="0"/>
-          </a:p>
-          <a:p>
-            <a:r>
-              <a:rPr lang="en-US" dirty="0"/>
-              <a:t>Using the Agent API: </a:t>
-            </a:r>
-            <a:r>
-              <a:rPr lang="it-IT" dirty="0"/>
-              <a:t>C:\code\agenticai\2_openai_agents\2_1_openai_agent.py</a:t>
-            </a:r>
-            <a:endParaRPr lang="en-US" dirty="0"/>
-          </a:p>
-          <a:p>
-            <a:endParaRPr lang="en-IN" dirty="0"/>
-          </a:p>
-        </p:txBody>
-      </p:sp>
-    </p:spTree>
-    <p:extLst>
-      <p:ext uri="{BB962C8B-B14F-4D97-AF65-F5344CB8AC3E}">
-        <p14:creationId xmlns:p14="http://schemas.microsoft.com/office/powerpoint/2010/main" val="687909232"/>
-      </p:ext>
-    </p:extLst>
-  </p:cSld>
-  <p:clrMapOvr>
-    <a:masterClrMapping/>
-  </p:clrMapOvr>
-</p:sld>
-</file>
-
-<file path=ppt/slides/slide20.xml><?xml version="1.0" encoding="utf-8"?>
+<file path=ppt/slides/slide21.xml><?xml version="1.0" encoding="utf-8"?>
 <p:sld xmlns:a="http://schemas.openxmlformats.org/drawingml/2006/main" xmlns:r="http://schemas.openxmlformats.org/officeDocument/2006/relationships" xmlns:p="http://schemas.openxmlformats.org/presentationml/2006/main">
   <p:cSld>
     <p:spTree>
@@ -10020,7 +12003,7 @@
 </p:sld>
 </file>
 
-<file path=ppt/slides/slide21.xml><?xml version="1.0" encoding="utf-8"?>
+<file path=ppt/slides/slide22.xml><?xml version="1.0" encoding="utf-8"?>
 <p:sld xmlns:a="http://schemas.openxmlformats.org/drawingml/2006/main" xmlns:r="http://schemas.openxmlformats.org/officeDocument/2006/relationships" xmlns:p="http://schemas.openxmlformats.org/presentationml/2006/main">
   <p:cSld>
     <p:spTree>
@@ -10651,7 +12634,7 @@
 </p:sld>
 </file>
 
-<file path=ppt/slides/slide22.xml><?xml version="1.0" encoding="utf-8"?>
+<file path=ppt/slides/slide23.xml><?xml version="1.0" encoding="utf-8"?>
 <p:sld xmlns:a="http://schemas.openxmlformats.org/drawingml/2006/main" xmlns:r="http://schemas.openxmlformats.org/officeDocument/2006/relationships" xmlns:p="http://schemas.openxmlformats.org/presentationml/2006/main">
   <p:cSld>
     <p:spTree>
@@ -11028,7 +13011,7 @@
 </p:sld>
 </file>
 
-<file path=ppt/slides/slide23.xml><?xml version="1.0" encoding="utf-8"?>
+<file path=ppt/slides/slide24.xml><?xml version="1.0" encoding="utf-8"?>
 <p:sld xmlns:a="http://schemas.openxmlformats.org/drawingml/2006/main" xmlns:r="http://schemas.openxmlformats.org/officeDocument/2006/relationships" xmlns:p="http://schemas.openxmlformats.org/presentationml/2006/main">
   <p:cSld>
     <p:spTree>
@@ -14388,4 +16371,299 @@
     </a:ext>
   </a:extLst>
 </a:theme>
+</file>
+
+<file path=ppt/theme/theme2.xml><?xml version="1.0" encoding="utf-8"?>
+<a:theme xmlns:a="http://schemas.openxmlformats.org/drawingml/2006/main" name="Office Theme">
+  <a:themeElements>
+    <a:clrScheme name="Office">
+      <a:dk1>
+        <a:sysClr val="windowText" lastClr="000000"/>
+      </a:dk1>
+      <a:lt1>
+        <a:sysClr val="window" lastClr="FFFFFF"/>
+      </a:lt1>
+      <a:dk2>
+        <a:srgbClr val="44546A"/>
+      </a:dk2>
+      <a:lt2>
+        <a:srgbClr val="E7E6E6"/>
+      </a:lt2>
+      <a:accent1>
+        <a:srgbClr val="4472C4"/>
+      </a:accent1>
+      <a:accent2>
+        <a:srgbClr val="ED7D31"/>
+      </a:accent2>
+      <a:accent3>
+        <a:srgbClr val="A5A5A5"/>
+      </a:accent3>
+      <a:accent4>
+        <a:srgbClr val="FFC000"/>
+      </a:accent4>
+      <a:accent5>
+        <a:srgbClr val="5B9BD5"/>
+      </a:accent5>
+      <a:accent6>
+        <a:srgbClr val="70AD47"/>
+      </a:accent6>
+      <a:hlink>
+        <a:srgbClr val="0563C1"/>
+      </a:hlink>
+      <a:folHlink>
+        <a:srgbClr val="954F72"/>
+      </a:folHlink>
+    </a:clrScheme>
+    <a:fontScheme name="Office">
+      <a:majorFont>
+        <a:latin typeface="Calibri Light" panose="020F0302020204030204"/>
+        <a:ea typeface=""/>
+        <a:cs typeface=""/>
+        <a:font script="Jpan" typeface="游ゴシック Light"/>
+        <a:font script="Hang" typeface="맑은 고딕"/>
+        <a:font script="Hans" typeface="等线 Light"/>
+        <a:font script="Hant" typeface="新細明體"/>
+        <a:font script="Arab" typeface="Times New Roman"/>
+        <a:font script="Hebr" typeface="Times New Roman"/>
+        <a:font script="Thai" typeface="Angsana New"/>
+        <a:font script="Ethi" typeface="Nyala"/>
+        <a:font script="Beng" typeface="Vrinda"/>
+        <a:font script="Gujr" typeface="Shruti"/>
+        <a:font script="Khmr" typeface="MoolBoran"/>
+        <a:font script="Knda" typeface="Tunga"/>
+        <a:font script="Guru" typeface="Raavi"/>
+        <a:font script="Cans" typeface="Euphemia"/>
+        <a:font script="Cher" typeface="Plantagenet Cherokee"/>
+        <a:font script="Yiii" typeface="Microsoft Yi Baiti"/>
+        <a:font script="Tibt" typeface="Microsoft Himalaya"/>
+        <a:font script="Thaa" typeface="MV Boli"/>
+        <a:font script="Deva" typeface="Mangal"/>
+        <a:font script="Telu" typeface="Gautami"/>
+        <a:font script="Taml" typeface="Latha"/>
+        <a:font script="Syrc" typeface="Estrangelo Edessa"/>
+        <a:font script="Orya" typeface="Kalinga"/>
+        <a:font script="Mlym" typeface="Kartika"/>
+        <a:font script="Laoo" typeface="DokChampa"/>
+        <a:font script="Sinh" typeface="Iskoola Pota"/>
+        <a:font script="Mong" typeface="Mongolian Baiti"/>
+        <a:font script="Viet" typeface="Times New Roman"/>
+        <a:font script="Uigh" typeface="Microsoft Uighur"/>
+        <a:font script="Geor" typeface="Sylfaen"/>
+        <a:font script="Armn" typeface="Arial"/>
+        <a:font script="Bugi" typeface="Leelawadee UI"/>
+        <a:font script="Bopo" typeface="Microsoft JhengHei"/>
+        <a:font script="Java" typeface="Javanese Text"/>
+        <a:font script="Lisu" typeface="Segoe UI"/>
+        <a:font script="Mymr" typeface="Myanmar Text"/>
+        <a:font script="Nkoo" typeface="Ebrima"/>
+        <a:font script="Olck" typeface="Nirmala UI"/>
+        <a:font script="Osma" typeface="Ebrima"/>
+        <a:font script="Phag" typeface="Phagspa"/>
+        <a:font script="Syrn" typeface="Estrangelo Edessa"/>
+        <a:font script="Syrj" typeface="Estrangelo Edessa"/>
+        <a:font script="Syre" typeface="Estrangelo Edessa"/>
+        <a:font script="Sora" typeface="Nirmala UI"/>
+        <a:font script="Tale" typeface="Microsoft Tai Le"/>
+        <a:font script="Talu" typeface="Microsoft New Tai Lue"/>
+        <a:font script="Tfng" typeface="Ebrima"/>
+      </a:majorFont>
+      <a:minorFont>
+        <a:latin typeface="Calibri" panose="020F0502020204030204"/>
+        <a:ea typeface=""/>
+        <a:cs typeface=""/>
+        <a:font script="Jpan" typeface="游ゴシック"/>
+        <a:font script="Hang" typeface="맑은 고딕"/>
+        <a:font script="Hans" typeface="等线"/>
+        <a:font script="Hant" typeface="新細明體"/>
+        <a:font script="Arab" typeface="Arial"/>
+        <a:font script="Hebr" typeface="Arial"/>
+        <a:font script="Thai" typeface="Cordia New"/>
+        <a:font script="Ethi" typeface="Nyala"/>
+        <a:font script="Beng" typeface="Vrinda"/>
+        <a:font script="Gujr" typeface="Shruti"/>
+        <a:font script="Khmr" typeface="DaunPenh"/>
+        <a:font script="Knda" typeface="Tunga"/>
+        <a:font script="Guru" typeface="Raavi"/>
+        <a:font script="Cans" typeface="Euphemia"/>
+        <a:font script="Cher" typeface="Plantagenet Cherokee"/>
+        <a:font script="Yiii" typeface="Microsoft Yi Baiti"/>
+        <a:font script="Tibt" typeface="Microsoft Himalaya"/>
+        <a:font script="Thaa" typeface="MV Boli"/>
+        <a:font script="Deva" typeface="Mangal"/>
+        <a:font script="Telu" typeface="Gautami"/>
+        <a:font script="Taml" typeface="Latha"/>
+        <a:font script="Syrc" typeface="Estrangelo Edessa"/>
+        <a:font script="Orya" typeface="Kalinga"/>
+        <a:font script="Mlym" typeface="Kartika"/>
+        <a:font script="Laoo" typeface="DokChampa"/>
+        <a:font script="Sinh" typeface="Iskoola Pota"/>
+        <a:font script="Mong" typeface="Mongolian Baiti"/>
+        <a:font script="Viet" typeface="Arial"/>
+        <a:font script="Uigh" typeface="Microsoft Uighur"/>
+        <a:font script="Geor" typeface="Sylfaen"/>
+        <a:font script="Armn" typeface="Arial"/>
+        <a:font script="Bugi" typeface="Leelawadee UI"/>
+        <a:font script="Bopo" typeface="Microsoft JhengHei"/>
+        <a:font script="Java" typeface="Javanese Text"/>
+        <a:font script="Lisu" typeface="Segoe UI"/>
+        <a:font script="Mymr" typeface="Myanmar Text"/>
+        <a:font script="Nkoo" typeface="Ebrima"/>
+        <a:font script="Olck" typeface="Nirmala UI"/>
+        <a:font script="Osma" typeface="Ebrima"/>
+        <a:font script="Phag" typeface="Phagspa"/>
+        <a:font script="Syrn" typeface="Estrangelo Edessa"/>
+        <a:font script="Syrj" typeface="Estrangelo Edessa"/>
+        <a:font script="Syre" typeface="Estrangelo Edessa"/>
+        <a:font script="Sora" typeface="Nirmala UI"/>
+        <a:font script="Tale" typeface="Microsoft Tai Le"/>
+        <a:font script="Talu" typeface="Microsoft New Tai Lue"/>
+        <a:font script="Tfng" typeface="Ebrima"/>
+      </a:minorFont>
+    </a:fontScheme>
+    <a:fmtScheme name="Office">
+      <a:fillStyleLst>
+        <a:solidFill>
+          <a:schemeClr val="phClr"/>
+        </a:solidFill>
+        <a:gradFill rotWithShape="1">
+          <a:gsLst>
+            <a:gs pos="0">
+              <a:schemeClr val="phClr">
+                <a:lumMod val="110000"/>
+                <a:satMod val="105000"/>
+                <a:tint val="67000"/>
+              </a:schemeClr>
+            </a:gs>
+            <a:gs pos="50000">
+              <a:schemeClr val="phClr">
+                <a:lumMod val="105000"/>
+                <a:satMod val="103000"/>
+                <a:tint val="73000"/>
+              </a:schemeClr>
+            </a:gs>
+            <a:gs pos="100000">
+              <a:schemeClr val="phClr">
+                <a:lumMod val="105000"/>
+                <a:satMod val="109000"/>
+                <a:tint val="81000"/>
+              </a:schemeClr>
+            </a:gs>
+          </a:gsLst>
+          <a:lin ang="5400000" scaled="0"/>
+        </a:gradFill>
+        <a:gradFill rotWithShape="1">
+          <a:gsLst>
+            <a:gs pos="0">
+              <a:schemeClr val="phClr">
+                <a:satMod val="103000"/>
+                <a:lumMod val="102000"/>
+                <a:tint val="94000"/>
+              </a:schemeClr>
+            </a:gs>
+            <a:gs pos="50000">
+              <a:schemeClr val="phClr">
+                <a:satMod val="110000"/>
+                <a:lumMod val="100000"/>
+                <a:shade val="100000"/>
+              </a:schemeClr>
+            </a:gs>
+            <a:gs pos="100000">
+              <a:schemeClr val="phClr">
+                <a:lumMod val="99000"/>
+                <a:satMod val="120000"/>
+                <a:shade val="78000"/>
+              </a:schemeClr>
+            </a:gs>
+          </a:gsLst>
+          <a:lin ang="5400000" scaled="0"/>
+        </a:gradFill>
+      </a:fillStyleLst>
+      <a:lnStyleLst>
+        <a:ln w="6350" cap="flat" cmpd="sng" algn="ctr">
+          <a:solidFill>
+            <a:schemeClr val="phClr"/>
+          </a:solidFill>
+          <a:prstDash val="solid"/>
+          <a:miter lim="800000"/>
+        </a:ln>
+        <a:ln w="12700" cap="flat" cmpd="sng" algn="ctr">
+          <a:solidFill>
+            <a:schemeClr val="phClr"/>
+          </a:solidFill>
+          <a:prstDash val="solid"/>
+          <a:miter lim="800000"/>
+        </a:ln>
+        <a:ln w="19050" cap="flat" cmpd="sng" algn="ctr">
+          <a:solidFill>
+            <a:schemeClr val="phClr"/>
+          </a:solidFill>
+          <a:prstDash val="solid"/>
+          <a:miter lim="800000"/>
+        </a:ln>
+      </a:lnStyleLst>
+      <a:effectStyleLst>
+        <a:effectStyle>
+          <a:effectLst/>
+        </a:effectStyle>
+        <a:effectStyle>
+          <a:effectLst/>
+        </a:effectStyle>
+        <a:effectStyle>
+          <a:effectLst>
+            <a:outerShdw blurRad="57150" dist="19050" dir="5400000" algn="ctr" rotWithShape="0">
+              <a:srgbClr val="000000">
+                <a:alpha val="63000"/>
+              </a:srgbClr>
+            </a:outerShdw>
+          </a:effectLst>
+        </a:effectStyle>
+      </a:effectStyleLst>
+      <a:bgFillStyleLst>
+        <a:solidFill>
+          <a:schemeClr val="phClr"/>
+        </a:solidFill>
+        <a:solidFill>
+          <a:schemeClr val="phClr">
+            <a:tint val="95000"/>
+            <a:satMod val="170000"/>
+          </a:schemeClr>
+        </a:solidFill>
+        <a:gradFill rotWithShape="1">
+          <a:gsLst>
+            <a:gs pos="0">
+              <a:schemeClr val="phClr">
+                <a:tint val="93000"/>
+                <a:satMod val="150000"/>
+                <a:shade val="98000"/>
+                <a:lumMod val="102000"/>
+              </a:schemeClr>
+            </a:gs>
+            <a:gs pos="50000">
+              <a:schemeClr val="phClr">
+                <a:tint val="98000"/>
+                <a:satMod val="130000"/>
+                <a:shade val="90000"/>
+                <a:lumMod val="103000"/>
+              </a:schemeClr>
+            </a:gs>
+            <a:gs pos="100000">
+              <a:schemeClr val="phClr">
+                <a:shade val="63000"/>
+                <a:satMod val="120000"/>
+              </a:schemeClr>
+            </a:gs>
+          </a:gsLst>
+          <a:lin ang="5400000" scaled="0"/>
+        </a:gradFill>
+      </a:bgFillStyleLst>
+    </a:fmtScheme>
+  </a:themeElements>
+  <a:objectDefaults/>
+  <a:extraClrSchemeLst/>
+  <a:extLst>
+    <a:ext uri="{05A4C25C-085E-4340-85A3-A5531E510DB2}">
+      <thm15:themeFamily xmlns:thm15="http://schemas.microsoft.com/office/thememl/2012/main" name="Office Theme" id="{62F939B6-93AF-4DB8-9C6B-D6C7DFDC589F}" vid="{4A3C46E8-61CC-4603-A589-7422A47A8E4A}"/>
+    </a:ext>
+  </a:extLst>
+</a:theme>
 </file>